--- a/97_archive/04_m/操作説明書/manual.pptx
+++ b/97_archive/04_m/操作説明書/manual.pptx
@@ -4,8 +4,12 @@
   <p:sldMasterIdLst>
     <p:sldMasterId id="2147483648" r:id="rId1"/>
   </p:sldMasterIdLst>
+  <p:notesMasterIdLst>
+    <p:notesMasterId r:id="rId4"/>
+  </p:notesMasterIdLst>
   <p:sldIdLst>
     <p:sldId id="256" r:id="rId2"/>
+    <p:sldId id="257" r:id="rId3"/>
   </p:sldIdLst>
   <p:sldSz cx="12192000" cy="6858000"/>
   <p:notesSz cx="6858000" cy="9144000"/>
@@ -112,6 +116,555 @@
 </p:presentation>
 </file>
 
+<file path=ppt/notesMasters/notesMaster1.xml><?xml version="1.0" encoding="utf-8"?>
+<p:notesMaster xmlns:a="http://schemas.openxmlformats.org/drawingml/2006/main" xmlns:r="http://schemas.openxmlformats.org/officeDocument/2006/relationships" xmlns:p="http://schemas.openxmlformats.org/presentationml/2006/main">
+  <p:cSld>
+    <p:bg>
+      <p:bgRef idx="1001">
+        <a:schemeClr val="bg1"/>
+      </p:bgRef>
+    </p:bg>
+    <p:spTree>
+      <p:nvGrpSpPr>
+        <p:cNvPr id="1" name=""/>
+        <p:cNvGrpSpPr/>
+        <p:nvPr/>
+      </p:nvGrpSpPr>
+      <p:grpSpPr>
+        <a:xfrm>
+          <a:off x="0" y="0"/>
+          <a:ext cx="0" cy="0"/>
+          <a:chOff x="0" y="0"/>
+          <a:chExt cx="0" cy="0"/>
+        </a:xfrm>
+      </p:grpSpPr>
+      <p:sp>
+        <p:nvSpPr>
+          <p:cNvPr id="2" name="ヘッダー プレースホルダー 1"/>
+          <p:cNvSpPr>
+            <a:spLocks noGrp="1"/>
+          </p:cNvSpPr>
+          <p:nvPr>
+            <p:ph type="hdr" sz="quarter"/>
+          </p:nvPr>
+        </p:nvSpPr>
+        <p:spPr>
+          <a:xfrm>
+            <a:off x="0" y="0"/>
+            <a:ext cx="2971800" cy="458788"/>
+          </a:xfrm>
+          <a:prstGeom prst="rect">
+            <a:avLst/>
+          </a:prstGeom>
+        </p:spPr>
+        <p:txBody>
+          <a:bodyPr vert="horz" lIns="91440" tIns="45720" rIns="91440" bIns="45720" rtlCol="0"/>
+          <a:lstStyle>
+            <a:lvl1pPr algn="l">
+              <a:defRPr sz="1200"/>
+            </a:lvl1pPr>
+          </a:lstStyle>
+          <a:p>
+            <a:endParaRPr kumimoji="1" lang="ja-JP" altLang="en-US"/>
+          </a:p>
+        </p:txBody>
+      </p:sp>
+      <p:sp>
+        <p:nvSpPr>
+          <p:cNvPr id="3" name="日付プレースホルダー 2"/>
+          <p:cNvSpPr>
+            <a:spLocks noGrp="1"/>
+          </p:cNvSpPr>
+          <p:nvPr>
+            <p:ph type="dt" idx="1"/>
+          </p:nvPr>
+        </p:nvSpPr>
+        <p:spPr>
+          <a:xfrm>
+            <a:off x="3884613" y="0"/>
+            <a:ext cx="2971800" cy="458788"/>
+          </a:xfrm>
+          <a:prstGeom prst="rect">
+            <a:avLst/>
+          </a:prstGeom>
+        </p:spPr>
+        <p:txBody>
+          <a:bodyPr vert="horz" lIns="91440" tIns="45720" rIns="91440" bIns="45720" rtlCol="0"/>
+          <a:lstStyle>
+            <a:lvl1pPr algn="r">
+              <a:defRPr sz="1200"/>
+            </a:lvl1pPr>
+          </a:lstStyle>
+          <a:p>
+            <a:fld id="{80A777C7-424D-494A-94F4-9B30167EF0F0}" type="datetimeFigureOut">
+              <a:rPr kumimoji="1" lang="ja-JP" altLang="en-US" smtClean="0"/>
+              <a:t>2024/9/11</a:t>
+            </a:fld>
+            <a:endParaRPr kumimoji="1" lang="ja-JP" altLang="en-US"/>
+          </a:p>
+        </p:txBody>
+      </p:sp>
+      <p:sp>
+        <p:nvSpPr>
+          <p:cNvPr id="4" name="スライド イメージ プレースホルダー 3"/>
+          <p:cNvSpPr>
+            <a:spLocks noGrp="1" noRot="1" noChangeAspect="1"/>
+          </p:cNvSpPr>
+          <p:nvPr>
+            <p:ph type="sldImg" idx="2"/>
+          </p:nvPr>
+        </p:nvSpPr>
+        <p:spPr>
+          <a:xfrm>
+            <a:off x="685800" y="1143000"/>
+            <a:ext cx="5486400" cy="3086100"/>
+          </a:xfrm>
+          <a:prstGeom prst="rect">
+            <a:avLst/>
+          </a:prstGeom>
+          <a:noFill/>
+          <a:ln w="12700">
+            <a:solidFill>
+              <a:prstClr val="black"/>
+            </a:solidFill>
+          </a:ln>
+        </p:spPr>
+        <p:txBody>
+          <a:bodyPr vert="horz" lIns="91440" tIns="45720" rIns="91440" bIns="45720" rtlCol="0" anchor="ctr"/>
+          <a:lstStyle/>
+          <a:p>
+            <a:endParaRPr lang="ja-JP" altLang="en-US"/>
+          </a:p>
+        </p:txBody>
+      </p:sp>
+      <p:sp>
+        <p:nvSpPr>
+          <p:cNvPr id="5" name="ノート プレースホルダー 4"/>
+          <p:cNvSpPr>
+            <a:spLocks noGrp="1"/>
+          </p:cNvSpPr>
+          <p:nvPr>
+            <p:ph type="body" sz="quarter" idx="3"/>
+          </p:nvPr>
+        </p:nvSpPr>
+        <p:spPr>
+          <a:xfrm>
+            <a:off x="685800" y="4400550"/>
+            <a:ext cx="5486400" cy="3600450"/>
+          </a:xfrm>
+          <a:prstGeom prst="rect">
+            <a:avLst/>
+          </a:prstGeom>
+        </p:spPr>
+        <p:txBody>
+          <a:bodyPr vert="horz" lIns="91440" tIns="45720" rIns="91440" bIns="45720" rtlCol="0"/>
+          <a:lstStyle/>
+          <a:p>
+            <a:pPr lvl="0"/>
+            <a:r>
+              <a:rPr kumimoji="1" lang="ja-JP" altLang="en-US"/>
+              <a:t>マスター テキストの書式設定</a:t>
+            </a:r>
+          </a:p>
+          <a:p>
+            <a:pPr lvl="1"/>
+            <a:r>
+              <a:rPr kumimoji="1" lang="ja-JP" altLang="en-US"/>
+              <a:t>第 </a:t>
+            </a:r>
+            <a:r>
+              <a:rPr kumimoji="1" lang="en-US" altLang="ja-JP"/>
+              <a:t>2 </a:t>
+            </a:r>
+            <a:r>
+              <a:rPr kumimoji="1" lang="ja-JP" altLang="en-US"/>
+              <a:t>レベル</a:t>
+            </a:r>
+          </a:p>
+          <a:p>
+            <a:pPr lvl="2"/>
+            <a:r>
+              <a:rPr kumimoji="1" lang="ja-JP" altLang="en-US"/>
+              <a:t>第 </a:t>
+            </a:r>
+            <a:r>
+              <a:rPr kumimoji="1" lang="en-US" altLang="ja-JP"/>
+              <a:t>3 </a:t>
+            </a:r>
+            <a:r>
+              <a:rPr kumimoji="1" lang="ja-JP" altLang="en-US"/>
+              <a:t>レベル</a:t>
+            </a:r>
+          </a:p>
+          <a:p>
+            <a:pPr lvl="3"/>
+            <a:r>
+              <a:rPr kumimoji="1" lang="ja-JP" altLang="en-US"/>
+              <a:t>第 </a:t>
+            </a:r>
+            <a:r>
+              <a:rPr kumimoji="1" lang="en-US" altLang="ja-JP"/>
+              <a:t>4 </a:t>
+            </a:r>
+            <a:r>
+              <a:rPr kumimoji="1" lang="ja-JP" altLang="en-US"/>
+              <a:t>レベル</a:t>
+            </a:r>
+          </a:p>
+          <a:p>
+            <a:pPr lvl="4"/>
+            <a:r>
+              <a:rPr kumimoji="1" lang="ja-JP" altLang="en-US"/>
+              <a:t>第 </a:t>
+            </a:r>
+            <a:r>
+              <a:rPr kumimoji="1" lang="en-US" altLang="ja-JP"/>
+              <a:t>5 </a:t>
+            </a:r>
+            <a:r>
+              <a:rPr kumimoji="1" lang="ja-JP" altLang="en-US"/>
+              <a:t>レベル</a:t>
+            </a:r>
+          </a:p>
+        </p:txBody>
+      </p:sp>
+      <p:sp>
+        <p:nvSpPr>
+          <p:cNvPr id="6" name="フッター プレースホルダー 5"/>
+          <p:cNvSpPr>
+            <a:spLocks noGrp="1"/>
+          </p:cNvSpPr>
+          <p:nvPr>
+            <p:ph type="ftr" sz="quarter" idx="4"/>
+          </p:nvPr>
+        </p:nvSpPr>
+        <p:spPr>
+          <a:xfrm>
+            <a:off x="0" y="8685213"/>
+            <a:ext cx="2971800" cy="458787"/>
+          </a:xfrm>
+          <a:prstGeom prst="rect">
+            <a:avLst/>
+          </a:prstGeom>
+        </p:spPr>
+        <p:txBody>
+          <a:bodyPr vert="horz" lIns="91440" tIns="45720" rIns="91440" bIns="45720" rtlCol="0" anchor="b"/>
+          <a:lstStyle>
+            <a:lvl1pPr algn="l">
+              <a:defRPr sz="1200"/>
+            </a:lvl1pPr>
+          </a:lstStyle>
+          <a:p>
+            <a:endParaRPr kumimoji="1" lang="ja-JP" altLang="en-US"/>
+          </a:p>
+        </p:txBody>
+      </p:sp>
+      <p:sp>
+        <p:nvSpPr>
+          <p:cNvPr id="7" name="スライド番号プレースホルダー 6"/>
+          <p:cNvSpPr>
+            <a:spLocks noGrp="1"/>
+          </p:cNvSpPr>
+          <p:nvPr>
+            <p:ph type="sldNum" sz="quarter" idx="5"/>
+          </p:nvPr>
+        </p:nvSpPr>
+        <p:spPr>
+          <a:xfrm>
+            <a:off x="3884613" y="8685213"/>
+            <a:ext cx="2971800" cy="458787"/>
+          </a:xfrm>
+          <a:prstGeom prst="rect">
+            <a:avLst/>
+          </a:prstGeom>
+        </p:spPr>
+        <p:txBody>
+          <a:bodyPr vert="horz" lIns="91440" tIns="45720" rIns="91440" bIns="45720" rtlCol="0" anchor="b"/>
+          <a:lstStyle>
+            <a:lvl1pPr algn="r">
+              <a:defRPr sz="1200"/>
+            </a:lvl1pPr>
+          </a:lstStyle>
+          <a:p>
+            <a:fld id="{B74E5A7A-1DBF-4A07-9FE2-F83114AEB09E}" type="slidenum">
+              <a:rPr kumimoji="1" lang="ja-JP" altLang="en-US" smtClean="0"/>
+              <a:t>‹#›</a:t>
+            </a:fld>
+            <a:endParaRPr kumimoji="1" lang="ja-JP" altLang="en-US"/>
+          </a:p>
+        </p:txBody>
+      </p:sp>
+    </p:spTree>
+    <p:extLst>
+      <p:ext uri="{BB962C8B-B14F-4D97-AF65-F5344CB8AC3E}">
+        <p14:creationId xmlns:p14="http://schemas.microsoft.com/office/powerpoint/2010/main" val="530712940"/>
+      </p:ext>
+    </p:extLst>
+  </p:cSld>
+  <p:clrMap bg1="lt1" tx1="dk1" bg2="lt2" tx2="dk2" accent1="accent1" accent2="accent2" accent3="accent3" accent4="accent4" accent5="accent5" accent6="accent6" hlink="hlink" folHlink="folHlink"/>
+  <p:notesStyle>
+    <a:lvl1pPr marL="0" algn="l" defTabSz="914400" rtl="0" eaLnBrk="1" latinLnBrk="0" hangingPunct="1">
+      <a:defRPr kumimoji="1" sz="1200" kern="1200">
+        <a:solidFill>
+          <a:schemeClr val="tx1"/>
+        </a:solidFill>
+        <a:latin typeface="+mn-lt"/>
+        <a:ea typeface="+mn-ea"/>
+        <a:cs typeface="+mn-cs"/>
+      </a:defRPr>
+    </a:lvl1pPr>
+    <a:lvl2pPr marL="457200" algn="l" defTabSz="914400" rtl="0" eaLnBrk="1" latinLnBrk="0" hangingPunct="1">
+      <a:defRPr kumimoji="1" sz="1200" kern="1200">
+        <a:solidFill>
+          <a:schemeClr val="tx1"/>
+        </a:solidFill>
+        <a:latin typeface="+mn-lt"/>
+        <a:ea typeface="+mn-ea"/>
+        <a:cs typeface="+mn-cs"/>
+      </a:defRPr>
+    </a:lvl2pPr>
+    <a:lvl3pPr marL="914400" algn="l" defTabSz="914400" rtl="0" eaLnBrk="1" latinLnBrk="0" hangingPunct="1">
+      <a:defRPr kumimoji="1" sz="1200" kern="1200">
+        <a:solidFill>
+          <a:schemeClr val="tx1"/>
+        </a:solidFill>
+        <a:latin typeface="+mn-lt"/>
+        <a:ea typeface="+mn-ea"/>
+        <a:cs typeface="+mn-cs"/>
+      </a:defRPr>
+    </a:lvl3pPr>
+    <a:lvl4pPr marL="1371600" algn="l" defTabSz="914400" rtl="0" eaLnBrk="1" latinLnBrk="0" hangingPunct="1">
+      <a:defRPr kumimoji="1" sz="1200" kern="1200">
+        <a:solidFill>
+          <a:schemeClr val="tx1"/>
+        </a:solidFill>
+        <a:latin typeface="+mn-lt"/>
+        <a:ea typeface="+mn-ea"/>
+        <a:cs typeface="+mn-cs"/>
+      </a:defRPr>
+    </a:lvl4pPr>
+    <a:lvl5pPr marL="1828800" algn="l" defTabSz="914400" rtl="0" eaLnBrk="1" latinLnBrk="0" hangingPunct="1">
+      <a:defRPr kumimoji="1" sz="1200" kern="1200">
+        <a:solidFill>
+          <a:schemeClr val="tx1"/>
+        </a:solidFill>
+        <a:latin typeface="+mn-lt"/>
+        <a:ea typeface="+mn-ea"/>
+        <a:cs typeface="+mn-cs"/>
+      </a:defRPr>
+    </a:lvl5pPr>
+    <a:lvl6pPr marL="2286000" algn="l" defTabSz="914400" rtl="0" eaLnBrk="1" latinLnBrk="0" hangingPunct="1">
+      <a:defRPr kumimoji="1" sz="1200" kern="1200">
+        <a:solidFill>
+          <a:schemeClr val="tx1"/>
+        </a:solidFill>
+        <a:latin typeface="+mn-lt"/>
+        <a:ea typeface="+mn-ea"/>
+        <a:cs typeface="+mn-cs"/>
+      </a:defRPr>
+    </a:lvl6pPr>
+    <a:lvl7pPr marL="2743200" algn="l" defTabSz="914400" rtl="0" eaLnBrk="1" latinLnBrk="0" hangingPunct="1">
+      <a:defRPr kumimoji="1" sz="1200" kern="1200">
+        <a:solidFill>
+          <a:schemeClr val="tx1"/>
+        </a:solidFill>
+        <a:latin typeface="+mn-lt"/>
+        <a:ea typeface="+mn-ea"/>
+        <a:cs typeface="+mn-cs"/>
+      </a:defRPr>
+    </a:lvl7pPr>
+    <a:lvl8pPr marL="3200400" algn="l" defTabSz="914400" rtl="0" eaLnBrk="1" latinLnBrk="0" hangingPunct="1">
+      <a:defRPr kumimoji="1" sz="1200" kern="1200">
+        <a:solidFill>
+          <a:schemeClr val="tx1"/>
+        </a:solidFill>
+        <a:latin typeface="+mn-lt"/>
+        <a:ea typeface="+mn-ea"/>
+        <a:cs typeface="+mn-cs"/>
+      </a:defRPr>
+    </a:lvl8pPr>
+    <a:lvl9pPr marL="3657600" algn="l" defTabSz="914400" rtl="0" eaLnBrk="1" latinLnBrk="0" hangingPunct="1">
+      <a:defRPr kumimoji="1" sz="1200" kern="1200">
+        <a:solidFill>
+          <a:schemeClr val="tx1"/>
+        </a:solidFill>
+        <a:latin typeface="+mn-lt"/>
+        <a:ea typeface="+mn-ea"/>
+        <a:cs typeface="+mn-cs"/>
+      </a:defRPr>
+    </a:lvl9pPr>
+  </p:notesStyle>
+</p:notesMaster>
+</file>
+
+<file path=ppt/notesSlides/notesSlide1.xml><?xml version="1.0" encoding="utf-8"?>
+<p:notes xmlns:a="http://schemas.openxmlformats.org/drawingml/2006/main" xmlns:r="http://schemas.openxmlformats.org/officeDocument/2006/relationships" xmlns:p="http://schemas.openxmlformats.org/presentationml/2006/main">
+  <p:cSld>
+    <p:spTree>
+      <p:nvGrpSpPr>
+        <p:cNvPr id="1" name=""/>
+        <p:cNvGrpSpPr/>
+        <p:nvPr/>
+      </p:nvGrpSpPr>
+      <p:grpSpPr>
+        <a:xfrm>
+          <a:off x="0" y="0"/>
+          <a:ext cx="0" cy="0"/>
+          <a:chOff x="0" y="0"/>
+          <a:chExt cx="0" cy="0"/>
+        </a:xfrm>
+      </p:grpSpPr>
+      <p:sp>
+        <p:nvSpPr>
+          <p:cNvPr id="2" name="スライド イメージ プレースホルダー 1"/>
+          <p:cNvSpPr>
+            <a:spLocks noGrp="1" noRot="1" noChangeAspect="1"/>
+          </p:cNvSpPr>
+          <p:nvPr>
+            <p:ph type="sldImg"/>
+          </p:nvPr>
+        </p:nvSpPr>
+        <p:spPr/>
+      </p:sp>
+      <p:sp>
+        <p:nvSpPr>
+          <p:cNvPr id="3" name="ノート プレースホルダー 2"/>
+          <p:cNvSpPr>
+            <a:spLocks noGrp="1"/>
+          </p:cNvSpPr>
+          <p:nvPr>
+            <p:ph type="body" idx="1"/>
+          </p:nvPr>
+        </p:nvSpPr>
+        <p:spPr/>
+        <p:txBody>
+          <a:bodyPr/>
+          <a:lstStyle/>
+          <a:p>
+            <a:endParaRPr kumimoji="1" lang="ja-JP" altLang="en-US" dirty="0"/>
+          </a:p>
+        </p:txBody>
+      </p:sp>
+      <p:sp>
+        <p:nvSpPr>
+          <p:cNvPr id="4" name="スライド番号プレースホルダー 3"/>
+          <p:cNvSpPr>
+            <a:spLocks noGrp="1"/>
+          </p:cNvSpPr>
+          <p:nvPr>
+            <p:ph type="sldNum" sz="quarter" idx="5"/>
+          </p:nvPr>
+        </p:nvSpPr>
+        <p:spPr/>
+        <p:txBody>
+          <a:bodyPr/>
+          <a:lstStyle/>
+          <a:p>
+            <a:fld id="{B74E5A7A-1DBF-4A07-9FE2-F83114AEB09E}" type="slidenum">
+              <a:rPr kumimoji="1" lang="ja-JP" altLang="en-US" smtClean="0"/>
+              <a:t>1</a:t>
+            </a:fld>
+            <a:endParaRPr kumimoji="1" lang="ja-JP" altLang="en-US"/>
+          </a:p>
+        </p:txBody>
+      </p:sp>
+    </p:spTree>
+    <p:extLst>
+      <p:ext uri="{BB962C8B-B14F-4D97-AF65-F5344CB8AC3E}">
+        <p14:creationId xmlns:p14="http://schemas.microsoft.com/office/powerpoint/2010/main" val="3464796407"/>
+      </p:ext>
+    </p:extLst>
+  </p:cSld>
+  <p:clrMapOvr>
+    <a:masterClrMapping/>
+  </p:clrMapOvr>
+</p:notes>
+</file>
+
+<file path=ppt/notesSlides/notesSlide2.xml><?xml version="1.0" encoding="utf-8"?>
+<p:notes xmlns:a="http://schemas.openxmlformats.org/drawingml/2006/main" xmlns:r="http://schemas.openxmlformats.org/officeDocument/2006/relationships" xmlns:p="http://schemas.openxmlformats.org/presentationml/2006/main">
+  <p:cSld>
+    <p:spTree>
+      <p:nvGrpSpPr>
+        <p:cNvPr id="1" name=""/>
+        <p:cNvGrpSpPr/>
+        <p:nvPr/>
+      </p:nvGrpSpPr>
+      <p:grpSpPr>
+        <a:xfrm>
+          <a:off x="0" y="0"/>
+          <a:ext cx="0" cy="0"/>
+          <a:chOff x="0" y="0"/>
+          <a:chExt cx="0" cy="0"/>
+        </a:xfrm>
+      </p:grpSpPr>
+      <p:sp>
+        <p:nvSpPr>
+          <p:cNvPr id="2" name="スライド イメージ プレースホルダー 1"/>
+          <p:cNvSpPr>
+            <a:spLocks noGrp="1" noRot="1" noChangeAspect="1"/>
+          </p:cNvSpPr>
+          <p:nvPr>
+            <p:ph type="sldImg"/>
+          </p:nvPr>
+        </p:nvSpPr>
+        <p:spPr/>
+      </p:sp>
+      <p:sp>
+        <p:nvSpPr>
+          <p:cNvPr id="3" name="ノート プレースホルダー 2"/>
+          <p:cNvSpPr>
+            <a:spLocks noGrp="1"/>
+          </p:cNvSpPr>
+          <p:nvPr>
+            <p:ph type="body" idx="1"/>
+          </p:nvPr>
+        </p:nvSpPr>
+        <p:spPr/>
+        <p:txBody>
+          <a:bodyPr/>
+          <a:lstStyle/>
+          <a:p>
+            <a:endParaRPr kumimoji="1" lang="ja-JP" altLang="en-US" dirty="0"/>
+          </a:p>
+        </p:txBody>
+      </p:sp>
+      <p:sp>
+        <p:nvSpPr>
+          <p:cNvPr id="4" name="スライド番号プレースホルダー 3"/>
+          <p:cNvSpPr>
+            <a:spLocks noGrp="1"/>
+          </p:cNvSpPr>
+          <p:nvPr>
+            <p:ph type="sldNum" sz="quarter" idx="5"/>
+          </p:nvPr>
+        </p:nvSpPr>
+        <p:spPr/>
+        <p:txBody>
+          <a:bodyPr/>
+          <a:lstStyle/>
+          <a:p>
+            <a:fld id="{B74E5A7A-1DBF-4A07-9FE2-F83114AEB09E}" type="slidenum">
+              <a:rPr kumimoji="1" lang="ja-JP" altLang="en-US" smtClean="0"/>
+              <a:t>2</a:t>
+            </a:fld>
+            <a:endParaRPr kumimoji="1" lang="ja-JP" altLang="en-US"/>
+          </a:p>
+        </p:txBody>
+      </p:sp>
+    </p:spTree>
+    <p:extLst>
+      <p:ext uri="{BB962C8B-B14F-4D97-AF65-F5344CB8AC3E}">
+        <p14:creationId xmlns:p14="http://schemas.microsoft.com/office/powerpoint/2010/main" val="3107865622"/>
+      </p:ext>
+    </p:extLst>
+  </p:cSld>
+  <p:clrMapOvr>
+    <a:masterClrMapping/>
+  </p:clrMapOvr>
+</p:notes>
+</file>
+
 <file path=ppt/slideLayouts/slideLayout1.xml><?xml version="1.0" encoding="utf-8"?>
 <p:sldLayout xmlns:a="http://schemas.openxmlformats.org/drawingml/2006/main" xmlns:r="http://schemas.openxmlformats.org/officeDocument/2006/relationships" xmlns:p="http://schemas.openxmlformats.org/presentationml/2006/main" type="title" preserve="1">
   <p:cSld name="タイトル スライド">
@@ -3001,9 +3554,18 @@
 <p:sldMaster xmlns:a="http://schemas.openxmlformats.org/drawingml/2006/main" xmlns:r="http://schemas.openxmlformats.org/officeDocument/2006/relationships" xmlns:p="http://schemas.openxmlformats.org/presentationml/2006/main">
   <p:cSld>
     <p:bg>
-      <p:bgRef idx="1001">
-        <a:schemeClr val="bg1"/>
-      </p:bgRef>
+      <p:bgPr>
+        <a:blipFill dpi="0" rotWithShape="1">
+          <a:blip r:embed="rId13">
+            <a:lum/>
+          </a:blip>
+          <a:srcRect/>
+          <a:stretch>
+            <a:fillRect/>
+          </a:stretch>
+        </a:blipFill>
+        <a:effectLst/>
+      </p:bgPr>
     </p:bg>
     <p:spTree>
       <p:nvGrpSpPr>
@@ -3600,20 +4162,6 @@
 <file path=ppt/slides/slide1.xml><?xml version="1.0" encoding="utf-8"?>
 <p:sld xmlns:a="http://schemas.openxmlformats.org/drawingml/2006/main" xmlns:r="http://schemas.openxmlformats.org/officeDocument/2006/relationships" xmlns:p="http://schemas.openxmlformats.org/presentationml/2006/main">
   <p:cSld>
-    <p:bg>
-      <p:bgPr>
-        <a:blipFill dpi="0" rotWithShape="1">
-          <a:blip r:embed="rId2">
-            <a:lum/>
-          </a:blip>
-          <a:srcRect/>
-          <a:stretch>
-            <a:fillRect/>
-          </a:stretch>
-        </a:blipFill>
-        <a:effectLst/>
-      </p:bgPr>
-    </p:bg>
     <p:spTree>
       <p:nvGrpSpPr>
         <p:cNvPr id="1" name=""/>
@@ -3628,12 +4176,157 @@
           <a:chExt cx="0" cy="0"/>
         </a:xfrm>
       </p:grpSpPr>
+      <p:pic>
+        <p:nvPicPr>
+          <p:cNvPr id="22" name="図 21" descr="アイコン&#10;&#10;自動的に生成された説明">
+            <a:extLst>
+              <a:ext uri="{FF2B5EF4-FFF2-40B4-BE49-F238E27FC236}">
+                <a16:creationId xmlns:a16="http://schemas.microsoft.com/office/drawing/2014/main" id="{EE356E91-21D5-B100-E5A0-9D1BD14BE871}"/>
+              </a:ext>
+            </a:extLst>
+          </p:cNvPr>
+          <p:cNvPicPr>
+            <a:picLocks noChangeAspect="1"/>
+          </p:cNvPicPr>
+          <p:nvPr/>
+        </p:nvPicPr>
+        <p:blipFill>
+          <a:blip r:embed="rId3">
+            <a:extLst>
+              <a:ext uri="{28A0092B-C50C-407E-A947-70E740481C1C}">
+                <a14:useLocalDpi xmlns:a14="http://schemas.microsoft.com/office/drawing/2010/main" val="0"/>
+              </a:ext>
+            </a:extLst>
+          </a:blip>
+          <a:stretch>
+            <a:fillRect/>
+          </a:stretch>
+        </p:blipFill>
+        <p:spPr>
+          <a:xfrm>
+            <a:off x="21652" y="1850761"/>
+            <a:ext cx="2150215" cy="2213239"/>
+          </a:xfrm>
+          <a:prstGeom prst="rect">
+            <a:avLst/>
+          </a:prstGeom>
+        </p:spPr>
+      </p:pic>
+      <p:pic>
+        <p:nvPicPr>
+          <p:cNvPr id="4" name="図 3" descr="テーブル, 皿 が含まれている画像&#10;&#10;自動的に生成された説明">
+            <a:extLst>
+              <a:ext uri="{FF2B5EF4-FFF2-40B4-BE49-F238E27FC236}">
+                <a16:creationId xmlns:a16="http://schemas.microsoft.com/office/drawing/2014/main" id="{A72481A7-0E90-16CE-1A2D-E37E316F45E0}"/>
+              </a:ext>
+            </a:extLst>
+          </p:cNvPr>
+          <p:cNvPicPr>
+            <a:picLocks noChangeAspect="1"/>
+          </p:cNvPicPr>
+          <p:nvPr/>
+        </p:nvPicPr>
+        <p:blipFill>
+          <a:blip r:embed="rId4">
+            <a:extLst>
+              <a:ext uri="{28A0092B-C50C-407E-A947-70E740481C1C}">
+                <a14:useLocalDpi xmlns:a14="http://schemas.microsoft.com/office/drawing/2010/main" val="0"/>
+              </a:ext>
+            </a:extLst>
+          </a:blip>
+          <a:srcRect l="23200"/>
+          <a:stretch/>
+        </p:blipFill>
+        <p:spPr>
+          <a:xfrm>
+            <a:off x="129698" y="4360807"/>
+            <a:ext cx="2733565" cy="2097930"/>
+          </a:xfrm>
+          <a:prstGeom prst="rect">
+            <a:avLst/>
+          </a:prstGeom>
+        </p:spPr>
+      </p:pic>
+      <p:pic>
+        <p:nvPicPr>
+          <p:cNvPr id="15" name="図 14" descr="暗い, ノートパソコン, テーブル, 座る が含まれている画像&#10;&#10;自動的に生成された説明">
+            <a:extLst>
+              <a:ext uri="{FF2B5EF4-FFF2-40B4-BE49-F238E27FC236}">
+                <a16:creationId xmlns:a16="http://schemas.microsoft.com/office/drawing/2014/main" id="{B558478F-DBF5-C42C-43A2-1AD161D630B3}"/>
+              </a:ext>
+            </a:extLst>
+          </p:cNvPr>
+          <p:cNvPicPr>
+            <a:picLocks noChangeAspect="1"/>
+          </p:cNvPicPr>
+          <p:nvPr/>
+        </p:nvPicPr>
+        <p:blipFill>
+          <a:blip r:embed="rId5">
+            <a:extLst>
+              <a:ext uri="{28A0092B-C50C-407E-A947-70E740481C1C}">
+                <a14:useLocalDpi xmlns:a14="http://schemas.microsoft.com/office/drawing/2010/main" val="0"/>
+              </a:ext>
+            </a:extLst>
+          </a:blip>
+          <a:stretch>
+            <a:fillRect/>
+          </a:stretch>
+        </p:blipFill>
+        <p:spPr>
+          <a:xfrm>
+            <a:off x="347173" y="3570561"/>
+            <a:ext cx="4273892" cy="2809243"/>
+          </a:xfrm>
+          <a:prstGeom prst="rect">
+            <a:avLst/>
+          </a:prstGeom>
+        </p:spPr>
+      </p:pic>
+      <p:pic>
+        <p:nvPicPr>
+          <p:cNvPr id="20" name="図 19" descr="小さい, 飛行機, 羽根, 座る が含まれている画像&#10;&#10;自動的に生成された説明">
+            <a:extLst>
+              <a:ext uri="{FF2B5EF4-FFF2-40B4-BE49-F238E27FC236}">
+                <a16:creationId xmlns:a16="http://schemas.microsoft.com/office/drawing/2014/main" id="{60DFE9B6-6CD0-7923-321F-75A0791CA7F1}"/>
+              </a:ext>
+            </a:extLst>
+          </p:cNvPr>
+          <p:cNvPicPr>
+            <a:picLocks noChangeAspect="1"/>
+          </p:cNvPicPr>
+          <p:nvPr/>
+        </p:nvPicPr>
+        <p:blipFill>
+          <a:blip r:embed="rId6">
+            <a:extLst>
+              <a:ext uri="{28A0092B-C50C-407E-A947-70E740481C1C}">
+                <a14:useLocalDpi xmlns:a14="http://schemas.microsoft.com/office/drawing/2010/main" val="0"/>
+              </a:ext>
+            </a:extLst>
+          </a:blip>
+          <a:srcRect l="15150" t="9098" r="13103"/>
+          <a:stretch/>
+        </p:blipFill>
+        <p:spPr>
+          <a:xfrm rot="906881">
+            <a:off x="1648627" y="529009"/>
+            <a:ext cx="2972171" cy="3107044"/>
+          </a:xfrm>
+          <a:prstGeom prst="rect">
+            <a:avLst/>
+          </a:prstGeom>
+          <a:effectLst>
+            <a:softEdge rad="317500"/>
+          </a:effectLst>
+        </p:spPr>
+      </p:pic>
       <p:grpSp>
         <p:nvGrpSpPr>
-          <p:cNvPr id="8" name="グループ化 7">
-            <a:extLst>
-              <a:ext uri="{FF2B5EF4-FFF2-40B4-BE49-F238E27FC236}">
-                <a16:creationId xmlns:a16="http://schemas.microsoft.com/office/drawing/2014/main" id="{BD69D8C8-193B-DA8A-BA23-4006C773A21A}"/>
+          <p:cNvPr id="11" name="グループ化 10">
+            <a:extLst>
+              <a:ext uri="{FF2B5EF4-FFF2-40B4-BE49-F238E27FC236}">
+                <a16:creationId xmlns:a16="http://schemas.microsoft.com/office/drawing/2014/main" id="{76015D5B-21FF-99AA-96A6-B11536297C73}"/>
               </a:ext>
             </a:extLst>
           </p:cNvPr>
@@ -3642,12 +4335,56 @@
         </p:nvGrpSpPr>
         <p:grpSpPr>
           <a:xfrm>
-            <a:off x="4415330" y="2841668"/>
-            <a:ext cx="3124841" cy="3558104"/>
-            <a:chOff x="4201970" y="2841668"/>
-            <a:chExt cx="3124841" cy="3558104"/>
+            <a:off x="4049570" y="1030098"/>
+            <a:ext cx="3124841" cy="5080306"/>
+            <a:chOff x="4415330" y="1030098"/>
+            <a:chExt cx="3124841" cy="5080306"/>
           </a:xfrm>
         </p:grpSpPr>
+        <p:pic>
+          <p:nvPicPr>
+            <p:cNvPr id="10" name="図 9" descr="ロゴ&#10;&#10;自動的に生成された説明">
+              <a:extLst>
+                <a:ext uri="{FF2B5EF4-FFF2-40B4-BE49-F238E27FC236}">
+                  <a16:creationId xmlns:a16="http://schemas.microsoft.com/office/drawing/2014/main" id="{08C0FAEE-D283-DD75-E9AA-63163065457D}"/>
+                </a:ext>
+              </a:extLst>
+            </p:cNvPr>
+            <p:cNvPicPr>
+              <a:picLocks noChangeAspect="1"/>
+            </p:cNvPicPr>
+            <p:nvPr/>
+          </p:nvPicPr>
+          <p:blipFill>
+            <a:blip r:embed="rId7">
+              <a:alphaModFix amt="70000"/>
+              <a:extLst>
+                <a:ext uri="{28A0092B-C50C-407E-A947-70E740481C1C}">
+                  <a14:useLocalDpi xmlns:a14="http://schemas.microsoft.com/office/drawing/2010/main" val="0"/>
+                </a:ext>
+              </a:extLst>
+            </a:blip>
+            <a:stretch>
+              <a:fillRect/>
+            </a:stretch>
+          </p:blipFill>
+          <p:spPr>
+            <a:xfrm rot="10950184">
+              <a:off x="5553431" y="1696935"/>
+              <a:ext cx="631005" cy="1860450"/>
+            </a:xfrm>
+            <a:prstGeom prst="rect">
+              <a:avLst/>
+            </a:prstGeom>
+            <a:effectLst>
+              <a:glow rad="127000">
+                <a:schemeClr val="bg1">
+                  <a:alpha val="50000"/>
+                </a:schemeClr>
+              </a:glow>
+            </a:effectLst>
+          </p:spPr>
+        </p:pic>
         <p:pic>
           <p:nvPicPr>
             <p:cNvPr id="3" name="図 2">
@@ -3663,7 +4400,7 @@
             <p:nvPr/>
           </p:nvPicPr>
           <p:blipFill>
-            <a:blip r:embed="rId3">
+            <a:blip r:embed="rId8">
               <a:extLst>
                 <a:ext uri="{28A0092B-C50C-407E-A947-70E740481C1C}">
                   <a14:useLocalDpi xmlns:a14="http://schemas.microsoft.com/office/drawing/2010/main" val="0"/>
@@ -3676,14 +4413,14 @@
           </p:blipFill>
           <p:spPr>
             <a:xfrm>
-              <a:off x="4435846" y="4526367"/>
+              <a:off x="4649206" y="4236999"/>
               <a:ext cx="2890965" cy="1873405"/>
             </a:xfrm>
             <a:prstGeom prst="rect">
               <a:avLst/>
             </a:prstGeom>
             <a:effectLst>
-              <a:glow rad="127000">
+              <a:glow>
                 <a:schemeClr val="bg1"/>
               </a:glow>
             </a:effectLst>
@@ -3704,7 +4441,7 @@
             <p:nvPr/>
           </p:nvPicPr>
           <p:blipFill>
-            <a:blip r:embed="rId4">
+            <a:blip r:embed="rId7">
               <a:alphaModFix amt="70000"/>
               <a:extLst>
                 <a:ext uri="{28A0092B-C50C-407E-A947-70E740481C1C}">
@@ -3718,7 +4455,7 @@
           </p:blipFill>
           <p:spPr>
             <a:xfrm rot="1912000">
-              <a:off x="4201970" y="3867565"/>
+              <a:off x="4415330" y="3557877"/>
               <a:ext cx="2930561" cy="2092765"/>
             </a:xfrm>
             <a:prstGeom prst="rect">
@@ -3748,7 +4485,7 @@
             <p:nvPr/>
           </p:nvPicPr>
           <p:blipFill>
-            <a:blip r:embed="rId5">
+            <a:blip r:embed="rId9">
               <a:extLst>
                 <a:ext uri="{28A0092B-C50C-407E-A947-70E740481C1C}">
                   <a14:useLocalDpi xmlns:a14="http://schemas.microsoft.com/office/drawing/2010/main" val="0"/>
@@ -3761,14 +4498,14 @@
           </p:blipFill>
           <p:spPr>
             <a:xfrm rot="19883187">
-              <a:off x="4863695" y="2841668"/>
+              <a:off x="5100205" y="1030098"/>
               <a:ext cx="1293009" cy="1545366"/>
             </a:xfrm>
             <a:prstGeom prst="rect">
               <a:avLst/>
             </a:prstGeom>
             <a:effectLst>
-              <a:glow rad="127000">
+              <a:glow>
                 <a:schemeClr val="bg1"/>
               </a:glow>
             </a:effectLst>
@@ -3790,7 +4527,7 @@
           <p:nvPr/>
         </p:nvPicPr>
         <p:blipFill>
-          <a:blip r:embed="rId6">
+          <a:blip r:embed="rId10">
             <a:extLst>
               <a:ext uri="{28A0092B-C50C-407E-A947-70E740481C1C}">
                 <a14:useLocalDpi xmlns:a14="http://schemas.microsoft.com/office/drawing/2010/main" val="0"/>
@@ -4043,7 +4780,7 @@
           <p:nvPr/>
         </p:nvPicPr>
         <p:blipFill>
-          <a:blip r:embed="rId7">
+          <a:blip r:embed="rId11">
             <a:extLst>
               <a:ext uri="{28A0092B-C50C-407E-A947-70E740481C1C}">
                 <a14:useLocalDpi xmlns:a14="http://schemas.microsoft.com/office/drawing/2010/main" val="0"/>
@@ -4056,7 +4793,7 @@
         </p:blipFill>
         <p:spPr>
           <a:xfrm rot="21189635">
-            <a:off x="7541972" y="4582390"/>
+            <a:off x="7409892" y="4602710"/>
             <a:ext cx="2138522" cy="2138522"/>
           </a:xfrm>
           <a:prstGeom prst="rect">
@@ -4083,7 +4820,7 @@
         </p:nvSpPr>
         <p:spPr>
           <a:xfrm>
-            <a:off x="7347711" y="254642"/>
+            <a:off x="7424053" y="254642"/>
             <a:ext cx="1107996" cy="4327003"/>
           </a:xfrm>
           <a:prstGeom prst="rect">
@@ -4110,7 +4847,7 @@
                 <a:latin typeface="玉ねぎ楷書激無料版v7改" panose="02000600000000000000" pitchFamily="2" charset="-128"/>
                 <a:ea typeface="玉ねぎ楷書激無料版v7改" panose="02000600000000000000" pitchFamily="2" charset="-128"/>
               </a:rPr>
-              <a:t>忍者 三カ条</a:t>
+              <a:t>忍者 三ヵ条</a:t>
             </a:r>
             <a:endParaRPr kumimoji="1" lang="ja-JP" altLang="en-US" sz="4800" dirty="0">
               <a:solidFill>
@@ -4141,7 +4878,7 @@
         </p:nvSpPr>
         <p:spPr>
           <a:xfrm>
-            <a:off x="6036732" y="402950"/>
+            <a:off x="6036732" y="796488"/>
             <a:ext cx="1538883" cy="4803960"/>
           </a:xfrm>
           <a:prstGeom prst="rect">
@@ -4243,7 +4980,7 @@
         </p:nvSpPr>
         <p:spPr>
           <a:xfrm>
-            <a:off x="1109756" y="402950"/>
+            <a:off x="1109756" y="796488"/>
             <a:ext cx="1538883" cy="4178695"/>
           </a:xfrm>
           <a:prstGeom prst="rect">
@@ -4357,8 +5094,8 @@
         </p:nvSpPr>
         <p:spPr>
           <a:xfrm>
-            <a:off x="3482113" y="400786"/>
-            <a:ext cx="1538883" cy="4152734"/>
+            <a:off x="4008568" y="796488"/>
+            <a:ext cx="861774" cy="4152734"/>
           </a:xfrm>
           <a:prstGeom prst="rect">
             <a:avLst/>
@@ -4420,9 +5157,72 @@
               <a:ea typeface="玉ねぎ楷書激無料版v7改" panose="02000600000000000000" pitchFamily="2" charset="-128"/>
             </a:endParaRPr>
           </a:p>
-          <a:p>
-            <a:r>
-              <a:rPr kumimoji="1" lang="ja-JP" altLang="en-US" sz="4400" dirty="0">
+        </p:txBody>
+      </p:sp>
+    </p:spTree>
+    <p:extLst>
+      <p:ext uri="{BB962C8B-B14F-4D97-AF65-F5344CB8AC3E}">
+        <p14:creationId xmlns:p14="http://schemas.microsoft.com/office/powerpoint/2010/main" val="351932410"/>
+      </p:ext>
+    </p:extLst>
+  </p:cSld>
+  <p:clrMapOvr>
+    <a:masterClrMapping/>
+  </p:clrMapOvr>
+</p:sld>
+</file>
+
+<file path=ppt/slides/slide2.xml><?xml version="1.0" encoding="utf-8"?>
+<p:sld xmlns:a="http://schemas.openxmlformats.org/drawingml/2006/main" xmlns:r="http://schemas.openxmlformats.org/officeDocument/2006/relationships" xmlns:p="http://schemas.openxmlformats.org/presentationml/2006/main">
+  <p:cSld>
+    <p:spTree>
+      <p:nvGrpSpPr>
+        <p:cNvPr id="1" name=""/>
+        <p:cNvGrpSpPr/>
+        <p:nvPr/>
+      </p:nvGrpSpPr>
+      <p:grpSpPr>
+        <a:xfrm>
+          <a:off x="0" y="0"/>
+          <a:ext cx="0" cy="0"/>
+          <a:chOff x="0" y="0"/>
+          <a:chExt cx="0" cy="0"/>
+        </a:xfrm>
+      </p:grpSpPr>
+      <p:sp>
+        <p:nvSpPr>
+          <p:cNvPr id="16" name="テキスト ボックス 15">
+            <a:extLst>
+              <a:ext uri="{FF2B5EF4-FFF2-40B4-BE49-F238E27FC236}">
+                <a16:creationId xmlns:a16="http://schemas.microsoft.com/office/drawing/2014/main" id="{168829B4-6A28-4D9B-2C6E-DCF1D64A2478}"/>
+              </a:ext>
+            </a:extLst>
+          </p:cNvPr>
+          <p:cNvSpPr txBox="1"/>
+          <p:nvPr/>
+        </p:nvSpPr>
+        <p:spPr>
+          <a:xfrm>
+            <a:off x="10153181" y="248855"/>
+            <a:ext cx="1954381" cy="6360290"/>
+          </a:xfrm>
+          <a:prstGeom prst="rect">
+            <a:avLst/>
+          </a:prstGeom>
+          <a:noFill/>
+        </p:spPr>
+        <p:txBody>
+          <a:bodyPr vert="eaVert" wrap="square" rtlCol="0">
+            <a:spAutoFit/>
+          </a:bodyPr>
+          <a:lstStyle/>
+          <a:p>
+            <a:pPr algn="ctr"/>
+            <a:r>
+              <a:rPr lang="ja-JP" altLang="en-US" sz="11500" dirty="0">
+                <a:ln w="38100">
+                  <a:noFill/>
+                </a:ln>
                 <a:effectLst>
                   <a:glow rad="127000">
                     <a:schemeClr val="bg1"/>
@@ -4431,9 +5231,12 @@
                 <a:latin typeface="玉ねぎ楷書激無料版v7改" panose="02000600000000000000" pitchFamily="2" charset="-128"/>
                 <a:ea typeface="玉ねぎ楷書激無料版v7改" panose="02000600000000000000" pitchFamily="2" charset="-128"/>
               </a:rPr>
-              <a:t>分身を利用せよ。</a:t>
-            </a:r>
-            <a:endParaRPr kumimoji="1" lang="en-US" altLang="ja-JP" sz="4400" dirty="0">
+              <a:t>操作説明</a:t>
+            </a:r>
+            <a:endParaRPr kumimoji="1" lang="ja-JP" altLang="en-US" sz="8800" dirty="0">
+              <a:ln w="38100">
+                <a:noFill/>
+              </a:ln>
               <a:effectLst>
                 <a:glow rad="127000">
                   <a:schemeClr val="bg1"/>
@@ -4448,7 +5251,7 @@
     </p:spTree>
     <p:extLst>
       <p:ext uri="{BB962C8B-B14F-4D97-AF65-F5344CB8AC3E}">
-        <p14:creationId xmlns:p14="http://schemas.microsoft.com/office/powerpoint/2010/main" val="351932410"/>
+        <p14:creationId xmlns:p14="http://schemas.microsoft.com/office/powerpoint/2010/main" val="2915933079"/>
       </p:ext>
     </p:extLst>
   </p:cSld>
@@ -4771,4 +5574,319 @@
     </a:ext>
   </a:extLst>
 </a:theme>
+</file>
+
+<file path=ppt/theme/theme2.xml><?xml version="1.0" encoding="utf-8"?>
+<a:theme xmlns:a="http://schemas.openxmlformats.org/drawingml/2006/main" name="Office テーマ">
+  <a:themeElements>
+    <a:clrScheme name="Office">
+      <a:dk1>
+        <a:sysClr val="windowText" lastClr="000000"/>
+      </a:dk1>
+      <a:lt1>
+        <a:sysClr val="window" lastClr="FFFFFF"/>
+      </a:lt1>
+      <a:dk2>
+        <a:srgbClr val="0E2841"/>
+      </a:dk2>
+      <a:lt2>
+        <a:srgbClr val="E8E8E8"/>
+      </a:lt2>
+      <a:accent1>
+        <a:srgbClr val="156082"/>
+      </a:accent1>
+      <a:accent2>
+        <a:srgbClr val="E97132"/>
+      </a:accent2>
+      <a:accent3>
+        <a:srgbClr val="196B24"/>
+      </a:accent3>
+      <a:accent4>
+        <a:srgbClr val="0F9ED5"/>
+      </a:accent4>
+      <a:accent5>
+        <a:srgbClr val="A02B93"/>
+      </a:accent5>
+      <a:accent6>
+        <a:srgbClr val="4EA72E"/>
+      </a:accent6>
+      <a:hlink>
+        <a:srgbClr val="467886"/>
+      </a:hlink>
+      <a:folHlink>
+        <a:srgbClr val="96607D"/>
+      </a:folHlink>
+    </a:clrScheme>
+    <a:fontScheme name="Office">
+      <a:majorFont>
+        <a:latin typeface="游ゴシック Light" panose="02110004020202020204"/>
+        <a:ea typeface=""/>
+        <a:cs typeface=""/>
+        <a:font script="Jpan" typeface="游ゴシック Light"/>
+        <a:font script="Hang" typeface="맑은 고딕"/>
+        <a:font script="Hans" typeface="等线 Light"/>
+        <a:font script="Hant" typeface="新細明體"/>
+        <a:font script="Arab" typeface="Times New Roman"/>
+        <a:font script="Hebr" typeface="Times New Roman"/>
+        <a:font script="Thai" typeface="Angsana New"/>
+        <a:font script="Ethi" typeface="Nyala"/>
+        <a:font script="Beng" typeface="Vrinda"/>
+        <a:font script="Gujr" typeface="Shruti"/>
+        <a:font script="Khmr" typeface="MoolBoran"/>
+        <a:font script="Knda" typeface="Tunga"/>
+        <a:font script="Guru" typeface="Raavi"/>
+        <a:font script="Cans" typeface="Euphemia"/>
+        <a:font script="Cher" typeface="Plantagenet Cherokee"/>
+        <a:font script="Yiii" typeface="Microsoft Yi Baiti"/>
+        <a:font script="Tibt" typeface="Microsoft Himalaya"/>
+        <a:font script="Thaa" typeface="MV Boli"/>
+        <a:font script="Deva" typeface="Mangal"/>
+        <a:font script="Telu" typeface="Gautami"/>
+        <a:font script="Taml" typeface="Latha"/>
+        <a:font script="Syrc" typeface="Estrangelo Edessa"/>
+        <a:font script="Orya" typeface="Kalinga"/>
+        <a:font script="Mlym" typeface="Kartika"/>
+        <a:font script="Laoo" typeface="DokChampa"/>
+        <a:font script="Sinh" typeface="Iskoola Pota"/>
+        <a:font script="Mong" typeface="Mongolian Baiti"/>
+        <a:font script="Viet" typeface="Times New Roman"/>
+        <a:font script="Uigh" typeface="Microsoft Uighur"/>
+        <a:font script="Geor" typeface="Sylfaen"/>
+        <a:font script="Armn" typeface="Arial"/>
+        <a:font script="Bugi" typeface="Leelawadee UI"/>
+        <a:font script="Bopo" typeface="Microsoft JhengHei"/>
+        <a:font script="Java" typeface="Javanese Text"/>
+        <a:font script="Lisu" typeface="Segoe UI"/>
+        <a:font script="Mymr" typeface="Myanmar Text"/>
+        <a:font script="Nkoo" typeface="Ebrima"/>
+        <a:font script="Olck" typeface="Nirmala UI"/>
+        <a:font script="Osma" typeface="Ebrima"/>
+        <a:font script="Phag" typeface="Phagspa"/>
+        <a:font script="Syrn" typeface="Estrangelo Edessa"/>
+        <a:font script="Syrj" typeface="Estrangelo Edessa"/>
+        <a:font script="Syre" typeface="Estrangelo Edessa"/>
+        <a:font script="Sora" typeface="Nirmala UI"/>
+        <a:font script="Tale" typeface="Microsoft Tai Le"/>
+        <a:font script="Talu" typeface="Microsoft New Tai Lue"/>
+        <a:font script="Tfng" typeface="Ebrima"/>
+      </a:majorFont>
+      <a:minorFont>
+        <a:latin typeface="游ゴシック" panose="02110004020202020204"/>
+        <a:ea typeface=""/>
+        <a:cs typeface=""/>
+        <a:font script="Jpan" typeface="游ゴシック"/>
+        <a:font script="Hang" typeface="맑은 고딕"/>
+        <a:font script="Hans" typeface="等线"/>
+        <a:font script="Hant" typeface="新細明體"/>
+        <a:font script="Arab" typeface="Arial"/>
+        <a:font script="Hebr" typeface="Arial"/>
+        <a:font script="Thai" typeface="Cordia New"/>
+        <a:font script="Ethi" typeface="Nyala"/>
+        <a:font script="Beng" typeface="Vrinda"/>
+        <a:font script="Gujr" typeface="Shruti"/>
+        <a:font script="Khmr" typeface="DaunPenh"/>
+        <a:font script="Knda" typeface="Tunga"/>
+        <a:font script="Guru" typeface="Raavi"/>
+        <a:font script="Cans" typeface="Euphemia"/>
+        <a:font script="Cher" typeface="Plantagenet Cherokee"/>
+        <a:font script="Yiii" typeface="Microsoft Yi Baiti"/>
+        <a:font script="Tibt" typeface="Microsoft Himalaya"/>
+        <a:font script="Thaa" typeface="MV Boli"/>
+        <a:font script="Deva" typeface="Mangal"/>
+        <a:font script="Telu" typeface="Gautami"/>
+        <a:font script="Taml" typeface="Latha"/>
+        <a:font script="Syrc" typeface="Estrangelo Edessa"/>
+        <a:font script="Orya" typeface="Kalinga"/>
+        <a:font script="Mlym" typeface="Kartika"/>
+        <a:font script="Laoo" typeface="DokChampa"/>
+        <a:font script="Sinh" typeface="Iskoola Pota"/>
+        <a:font script="Mong" typeface="Mongolian Baiti"/>
+        <a:font script="Viet" typeface="Arial"/>
+        <a:font script="Uigh" typeface="Microsoft Uighur"/>
+        <a:font script="Geor" typeface="Sylfaen"/>
+        <a:font script="Armn" typeface="Arial"/>
+        <a:font script="Bugi" typeface="Leelawadee UI"/>
+        <a:font script="Bopo" typeface="Microsoft JhengHei"/>
+        <a:font script="Java" typeface="Javanese Text"/>
+        <a:font script="Lisu" typeface="Segoe UI"/>
+        <a:font script="Mymr" typeface="Myanmar Text"/>
+        <a:font script="Nkoo" typeface="Ebrima"/>
+        <a:font script="Olck" typeface="Nirmala UI"/>
+        <a:font script="Osma" typeface="Ebrima"/>
+        <a:font script="Phag" typeface="Phagspa"/>
+        <a:font script="Syrn" typeface="Estrangelo Edessa"/>
+        <a:font script="Syrj" typeface="Estrangelo Edessa"/>
+        <a:font script="Syre" typeface="Estrangelo Edessa"/>
+        <a:font script="Sora" typeface="Nirmala UI"/>
+        <a:font script="Tale" typeface="Microsoft Tai Le"/>
+        <a:font script="Talu" typeface="Microsoft New Tai Lue"/>
+        <a:font script="Tfng" typeface="Ebrima"/>
+      </a:minorFont>
+    </a:fontScheme>
+    <a:fmtScheme name="Office">
+      <a:fillStyleLst>
+        <a:solidFill>
+          <a:schemeClr val="phClr"/>
+        </a:solidFill>
+        <a:gradFill rotWithShape="1">
+          <a:gsLst>
+            <a:gs pos="0">
+              <a:schemeClr val="phClr">
+                <a:lumMod val="110000"/>
+                <a:satMod val="105000"/>
+                <a:tint val="67000"/>
+              </a:schemeClr>
+            </a:gs>
+            <a:gs pos="50000">
+              <a:schemeClr val="phClr">
+                <a:lumMod val="105000"/>
+                <a:satMod val="103000"/>
+                <a:tint val="73000"/>
+              </a:schemeClr>
+            </a:gs>
+            <a:gs pos="100000">
+              <a:schemeClr val="phClr">
+                <a:lumMod val="105000"/>
+                <a:satMod val="109000"/>
+                <a:tint val="81000"/>
+              </a:schemeClr>
+            </a:gs>
+          </a:gsLst>
+          <a:lin ang="5400000" scaled="0"/>
+        </a:gradFill>
+        <a:gradFill rotWithShape="1">
+          <a:gsLst>
+            <a:gs pos="0">
+              <a:schemeClr val="phClr">
+                <a:satMod val="103000"/>
+                <a:lumMod val="102000"/>
+                <a:tint val="94000"/>
+              </a:schemeClr>
+            </a:gs>
+            <a:gs pos="50000">
+              <a:schemeClr val="phClr">
+                <a:satMod val="110000"/>
+                <a:lumMod val="100000"/>
+                <a:shade val="100000"/>
+              </a:schemeClr>
+            </a:gs>
+            <a:gs pos="100000">
+              <a:schemeClr val="phClr">
+                <a:lumMod val="99000"/>
+                <a:satMod val="120000"/>
+                <a:shade val="78000"/>
+              </a:schemeClr>
+            </a:gs>
+          </a:gsLst>
+          <a:lin ang="5400000" scaled="0"/>
+        </a:gradFill>
+      </a:fillStyleLst>
+      <a:lnStyleLst>
+        <a:ln w="12700" cap="flat" cmpd="sng" algn="ctr">
+          <a:solidFill>
+            <a:schemeClr val="phClr"/>
+          </a:solidFill>
+          <a:prstDash val="solid"/>
+          <a:miter lim="800000"/>
+        </a:ln>
+        <a:ln w="19050" cap="flat" cmpd="sng" algn="ctr">
+          <a:solidFill>
+            <a:schemeClr val="phClr"/>
+          </a:solidFill>
+          <a:prstDash val="solid"/>
+          <a:miter lim="800000"/>
+        </a:ln>
+        <a:ln w="25400" cap="flat" cmpd="sng" algn="ctr">
+          <a:solidFill>
+            <a:schemeClr val="phClr"/>
+          </a:solidFill>
+          <a:prstDash val="solid"/>
+          <a:miter lim="800000"/>
+        </a:ln>
+      </a:lnStyleLst>
+      <a:effectStyleLst>
+        <a:effectStyle>
+          <a:effectLst/>
+        </a:effectStyle>
+        <a:effectStyle>
+          <a:effectLst/>
+        </a:effectStyle>
+        <a:effectStyle>
+          <a:effectLst>
+            <a:outerShdw blurRad="57150" dist="19050" dir="5400000" algn="ctr" rotWithShape="0">
+              <a:srgbClr val="000000">
+                <a:alpha val="63000"/>
+              </a:srgbClr>
+            </a:outerShdw>
+          </a:effectLst>
+        </a:effectStyle>
+      </a:effectStyleLst>
+      <a:bgFillStyleLst>
+        <a:solidFill>
+          <a:schemeClr val="phClr"/>
+        </a:solidFill>
+        <a:solidFill>
+          <a:schemeClr val="phClr">
+            <a:tint val="95000"/>
+            <a:satMod val="170000"/>
+          </a:schemeClr>
+        </a:solidFill>
+        <a:gradFill rotWithShape="1">
+          <a:gsLst>
+            <a:gs pos="0">
+              <a:schemeClr val="phClr">
+                <a:tint val="93000"/>
+                <a:satMod val="150000"/>
+                <a:shade val="98000"/>
+                <a:lumMod val="102000"/>
+              </a:schemeClr>
+            </a:gs>
+            <a:gs pos="50000">
+              <a:schemeClr val="phClr">
+                <a:tint val="98000"/>
+                <a:satMod val="130000"/>
+                <a:shade val="90000"/>
+                <a:lumMod val="103000"/>
+              </a:schemeClr>
+            </a:gs>
+            <a:gs pos="100000">
+              <a:schemeClr val="phClr">
+                <a:shade val="63000"/>
+                <a:satMod val="120000"/>
+              </a:schemeClr>
+            </a:gs>
+          </a:gsLst>
+          <a:lin ang="5400000" scaled="0"/>
+        </a:gradFill>
+      </a:bgFillStyleLst>
+    </a:fmtScheme>
+  </a:themeElements>
+  <a:objectDefaults>
+    <a:lnDef>
+      <a:spPr/>
+      <a:bodyPr/>
+      <a:lstStyle/>
+      <a:style>
+        <a:lnRef idx="2">
+          <a:schemeClr val="accent1"/>
+        </a:lnRef>
+        <a:fillRef idx="0">
+          <a:schemeClr val="accent1"/>
+        </a:fillRef>
+        <a:effectRef idx="1">
+          <a:schemeClr val="accent1"/>
+        </a:effectRef>
+        <a:fontRef idx="minor">
+          <a:schemeClr val="tx1"/>
+        </a:fontRef>
+      </a:style>
+    </a:lnDef>
+  </a:objectDefaults>
+  <a:extraClrSchemeLst/>
+  <a:extLst>
+    <a:ext uri="{05A4C25C-085E-4340-85A3-A5531E510DB2}">
+      <thm15:themeFamily xmlns:thm15="http://schemas.microsoft.com/office/thememl/2012/main" name="Office Theme" id="{2E142A2C-CD16-42D6-873A-C26D2A0506FA}" vid="{1BDDFF52-6CD6-40A5-AB3C-68EB2F1E4D0A}"/>
+    </a:ext>
+  </a:extLst>
+</a:theme>
 </file>
--- a/97_archive/04_m/操作説明書/manual.pptx
+++ b/97_archive/04_m/操作説明書/manual.pptx
@@ -9,7 +9,7 @@
   </p:notesMasterIdLst>
   <p:sldIdLst>
     <p:sldId id="256" r:id="rId2"/>
-    <p:sldId id="257" r:id="rId3"/>
+    <p:sldId id="258" r:id="rId3"/>
   </p:sldIdLst>
   <p:sldSz cx="12192000" cy="6858000"/>
   <p:notesSz cx="6858000" cy="9144000"/>
@@ -198,7 +198,7 @@
           <a:p>
             <a:fld id="{80A777C7-424D-494A-94F4-9B30167EF0F0}" type="datetimeFigureOut">
               <a:rPr kumimoji="1" lang="ja-JP" altLang="en-US" smtClean="0"/>
-              <a:t>2024/9/11</a:t>
+              <a:t>2024/9/13</a:t>
             </a:fld>
             <a:endParaRPr kumimoji="1" lang="ja-JP" altLang="en-US"/>
           </a:p>
@@ -655,7 +655,7 @@
     </p:spTree>
     <p:extLst>
       <p:ext uri="{BB962C8B-B14F-4D97-AF65-F5344CB8AC3E}">
-        <p14:creationId xmlns:p14="http://schemas.microsoft.com/office/powerpoint/2010/main" val="3107865622"/>
+        <p14:creationId xmlns:p14="http://schemas.microsoft.com/office/powerpoint/2010/main" val="4263167658"/>
       </p:ext>
     </p:extLst>
   </p:cSld>
@@ -812,7 +812,7 @@
           <a:p>
             <a:fld id="{B6CF5DD3-AED3-41C8-AE2F-82742504418D}" type="datetimeFigureOut">
               <a:rPr kumimoji="1" lang="ja-JP" altLang="en-US" smtClean="0"/>
-              <a:t>2024/9/11</a:t>
+              <a:t>2024/9/13</a:t>
             </a:fld>
             <a:endParaRPr kumimoji="1" lang="ja-JP" altLang="en-US"/>
           </a:p>
@@ -1042,7 +1042,7 @@
           <a:p>
             <a:fld id="{B6CF5DD3-AED3-41C8-AE2F-82742504418D}" type="datetimeFigureOut">
               <a:rPr kumimoji="1" lang="ja-JP" altLang="en-US" smtClean="0"/>
-              <a:t>2024/9/11</a:t>
+              <a:t>2024/9/13</a:t>
             </a:fld>
             <a:endParaRPr kumimoji="1" lang="ja-JP" altLang="en-US"/>
           </a:p>
@@ -1282,7 +1282,7 @@
           <a:p>
             <a:fld id="{B6CF5DD3-AED3-41C8-AE2F-82742504418D}" type="datetimeFigureOut">
               <a:rPr kumimoji="1" lang="ja-JP" altLang="en-US" smtClean="0"/>
-              <a:t>2024/9/11</a:t>
+              <a:t>2024/9/13</a:t>
             </a:fld>
             <a:endParaRPr kumimoji="1" lang="ja-JP" altLang="en-US"/>
           </a:p>
@@ -1512,7 +1512,7 @@
           <a:p>
             <a:fld id="{B6CF5DD3-AED3-41C8-AE2F-82742504418D}" type="datetimeFigureOut">
               <a:rPr kumimoji="1" lang="ja-JP" altLang="en-US" smtClean="0"/>
-              <a:t>2024/9/11</a:t>
+              <a:t>2024/9/13</a:t>
             </a:fld>
             <a:endParaRPr kumimoji="1" lang="ja-JP" altLang="en-US"/>
           </a:p>
@@ -1787,7 +1787,7 @@
           <a:p>
             <a:fld id="{B6CF5DD3-AED3-41C8-AE2F-82742504418D}" type="datetimeFigureOut">
               <a:rPr kumimoji="1" lang="ja-JP" altLang="en-US" smtClean="0"/>
-              <a:t>2024/9/11</a:t>
+              <a:t>2024/9/13</a:t>
             </a:fld>
             <a:endParaRPr kumimoji="1" lang="ja-JP" altLang="en-US"/>
           </a:p>
@@ -2116,7 +2116,7 @@
           <a:p>
             <a:fld id="{B6CF5DD3-AED3-41C8-AE2F-82742504418D}" type="datetimeFigureOut">
               <a:rPr kumimoji="1" lang="ja-JP" altLang="en-US" smtClean="0"/>
-              <a:t>2024/9/11</a:t>
+              <a:t>2024/9/13</a:t>
             </a:fld>
             <a:endParaRPr kumimoji="1" lang="ja-JP" altLang="en-US"/>
           </a:p>
@@ -2592,7 +2592,7 @@
           <a:p>
             <a:fld id="{B6CF5DD3-AED3-41C8-AE2F-82742504418D}" type="datetimeFigureOut">
               <a:rPr kumimoji="1" lang="ja-JP" altLang="en-US" smtClean="0"/>
-              <a:t>2024/9/11</a:t>
+              <a:t>2024/9/13</a:t>
             </a:fld>
             <a:endParaRPr kumimoji="1" lang="ja-JP" altLang="en-US"/>
           </a:p>
@@ -2733,7 +2733,7 @@
           <a:p>
             <a:fld id="{B6CF5DD3-AED3-41C8-AE2F-82742504418D}" type="datetimeFigureOut">
               <a:rPr kumimoji="1" lang="ja-JP" altLang="en-US" smtClean="0"/>
-              <a:t>2024/9/11</a:t>
+              <a:t>2024/9/13</a:t>
             </a:fld>
             <a:endParaRPr kumimoji="1" lang="ja-JP" altLang="en-US"/>
           </a:p>
@@ -2846,7 +2846,7 @@
           <a:p>
             <a:fld id="{B6CF5DD3-AED3-41C8-AE2F-82742504418D}" type="datetimeFigureOut">
               <a:rPr kumimoji="1" lang="ja-JP" altLang="en-US" smtClean="0"/>
-              <a:t>2024/9/11</a:t>
+              <a:t>2024/9/13</a:t>
             </a:fld>
             <a:endParaRPr kumimoji="1" lang="ja-JP" altLang="en-US"/>
           </a:p>
@@ -3189,7 +3189,7 @@
           <a:p>
             <a:fld id="{B6CF5DD3-AED3-41C8-AE2F-82742504418D}" type="datetimeFigureOut">
               <a:rPr kumimoji="1" lang="ja-JP" altLang="en-US" smtClean="0"/>
-              <a:t>2024/9/11</a:t>
+              <a:t>2024/9/13</a:t>
             </a:fld>
             <a:endParaRPr kumimoji="1" lang="ja-JP" altLang="en-US"/>
           </a:p>
@@ -3477,7 +3477,7 @@
           <a:p>
             <a:fld id="{B6CF5DD3-AED3-41C8-AE2F-82742504418D}" type="datetimeFigureOut">
               <a:rPr kumimoji="1" lang="ja-JP" altLang="en-US" smtClean="0"/>
-              <a:t>2024/9/11</a:t>
+              <a:t>2024/9/13</a:t>
             </a:fld>
             <a:endParaRPr kumimoji="1" lang="ja-JP" altLang="en-US"/>
           </a:p>
@@ -3759,7 +3759,7 @@
           <a:p>
             <a:fld id="{B6CF5DD3-AED3-41C8-AE2F-82742504418D}" type="datetimeFigureOut">
               <a:rPr kumimoji="1" lang="ja-JP" altLang="en-US" smtClean="0"/>
-              <a:t>2024/9/11</a:t>
+              <a:t>2024/9/13</a:t>
             </a:fld>
             <a:endParaRPr kumimoji="1" lang="ja-JP" altLang="en-US"/>
           </a:p>
@@ -5189,6 +5189,1298 @@
           <a:chExt cx="0" cy="0"/>
         </a:xfrm>
       </p:grpSpPr>
+      <p:pic>
+        <p:nvPicPr>
+          <p:cNvPr id="58" name="図 57" descr="屋内, テーブル, 座る, 光 が含まれている画像&#10;&#10;自動的に生成された説明">
+            <a:extLst>
+              <a:ext uri="{FF2B5EF4-FFF2-40B4-BE49-F238E27FC236}">
+                <a16:creationId xmlns:a16="http://schemas.microsoft.com/office/drawing/2014/main" id="{D8FCD355-500D-A1AE-C7F9-1214BF0B9463}"/>
+              </a:ext>
+            </a:extLst>
+          </p:cNvPr>
+          <p:cNvPicPr>
+            <a:picLocks noChangeAspect="1"/>
+          </p:cNvPicPr>
+          <p:nvPr/>
+        </p:nvPicPr>
+        <p:blipFill>
+          <a:blip r:embed="rId3">
+            <a:alphaModFix amt="70000"/>
+            <a:extLst>
+              <a:ext uri="{28A0092B-C50C-407E-A947-70E740481C1C}">
+                <a14:useLocalDpi xmlns:a14="http://schemas.microsoft.com/office/drawing/2010/main" val="0"/>
+              </a:ext>
+            </a:extLst>
+          </a:blip>
+          <a:srcRect l="5714" t="30446"/>
+          <a:stretch/>
+        </p:blipFill>
+        <p:spPr>
+          <a:xfrm>
+            <a:off x="123765" y="364606"/>
+            <a:ext cx="4572525" cy="3242961"/>
+          </a:xfrm>
+          <a:prstGeom prst="rect">
+            <a:avLst/>
+          </a:prstGeom>
+        </p:spPr>
+      </p:pic>
+      <p:sp>
+        <p:nvSpPr>
+          <p:cNvPr id="59" name="楕円 58">
+            <a:extLst>
+              <a:ext uri="{FF2B5EF4-FFF2-40B4-BE49-F238E27FC236}">
+                <a16:creationId xmlns:a16="http://schemas.microsoft.com/office/drawing/2014/main" id="{CB0F71B7-E891-D567-7F12-2CDD617399FB}"/>
+              </a:ext>
+            </a:extLst>
+          </p:cNvPr>
+          <p:cNvSpPr/>
+          <p:nvPr/>
+        </p:nvSpPr>
+        <p:spPr>
+          <a:xfrm>
+            <a:off x="2718511" y="1546260"/>
+            <a:ext cx="2279783" cy="2626729"/>
+          </a:xfrm>
+          <a:prstGeom prst="ellipse">
+            <a:avLst/>
+          </a:prstGeom>
+          <a:solidFill>
+            <a:srgbClr val="F4EAD8"/>
+          </a:solidFill>
+          <a:ln>
+            <a:noFill/>
+          </a:ln>
+        </p:spPr>
+        <p:style>
+          <a:lnRef idx="2">
+            <a:schemeClr val="accent1">
+              <a:shade val="15000"/>
+            </a:schemeClr>
+          </a:lnRef>
+          <a:fillRef idx="1">
+            <a:schemeClr val="accent1"/>
+          </a:fillRef>
+          <a:effectRef idx="0">
+            <a:schemeClr val="accent1"/>
+          </a:effectRef>
+          <a:fontRef idx="minor">
+            <a:schemeClr val="lt1"/>
+          </a:fontRef>
+        </p:style>
+        <p:txBody>
+          <a:bodyPr rtlCol="0" anchor="ctr"/>
+          <a:lstStyle/>
+          <a:p>
+            <a:pPr algn="ctr"/>
+            <a:endParaRPr kumimoji="1" lang="ja-JP" altLang="en-US"/>
+          </a:p>
+        </p:txBody>
+      </p:sp>
+      <p:pic>
+        <p:nvPicPr>
+          <p:cNvPr id="55" name="図 54" descr="食品, 帽子, シャツ が含まれている画像&#10;&#10;自動的に生成された説明">
+            <a:extLst>
+              <a:ext uri="{FF2B5EF4-FFF2-40B4-BE49-F238E27FC236}">
+                <a16:creationId xmlns:a16="http://schemas.microsoft.com/office/drawing/2014/main" id="{329C2C82-DA13-0383-39F1-94C49CAB8C4C}"/>
+              </a:ext>
+            </a:extLst>
+          </p:cNvPr>
+          <p:cNvPicPr>
+            <a:picLocks noChangeAspect="1"/>
+          </p:cNvPicPr>
+          <p:nvPr/>
+        </p:nvPicPr>
+        <p:blipFill>
+          <a:blip r:embed="rId4">
+            <a:alphaModFix amt="50000"/>
+            <a:extLst>
+              <a:ext uri="{28A0092B-C50C-407E-A947-70E740481C1C}">
+                <a14:useLocalDpi xmlns:a14="http://schemas.microsoft.com/office/drawing/2010/main" val="0"/>
+              </a:ext>
+            </a:extLst>
+          </a:blip>
+          <a:stretch>
+            <a:fillRect/>
+          </a:stretch>
+        </p:blipFill>
+        <p:spPr>
+          <a:xfrm rot="565076">
+            <a:off x="3465504" y="4064213"/>
+            <a:ext cx="4041176" cy="2808950"/>
+          </a:xfrm>
+          <a:prstGeom prst="rect">
+            <a:avLst/>
+          </a:prstGeom>
+          <a:effectLst>
+            <a:glow>
+              <a:schemeClr val="accent1"/>
+            </a:glow>
+          </a:effectLst>
+        </p:spPr>
+      </p:pic>
+      <p:pic>
+        <p:nvPicPr>
+          <p:cNvPr id="49" name="図 48" descr="シャツ が含まれている画像&#10;&#10;自動的に生成された説明">
+            <a:extLst>
+              <a:ext uri="{FF2B5EF4-FFF2-40B4-BE49-F238E27FC236}">
+                <a16:creationId xmlns:a16="http://schemas.microsoft.com/office/drawing/2014/main" id="{24B1A8BB-AFA9-8C50-37E5-BA266C3C1D0B}"/>
+              </a:ext>
+            </a:extLst>
+          </p:cNvPr>
+          <p:cNvPicPr>
+            <a:picLocks noChangeAspect="1"/>
+          </p:cNvPicPr>
+          <p:nvPr/>
+        </p:nvPicPr>
+        <p:blipFill>
+          <a:blip r:embed="rId5">
+            <a:alphaModFix amt="50000"/>
+            <a:extLst>
+              <a:ext uri="{28A0092B-C50C-407E-A947-70E740481C1C}">
+                <a14:useLocalDpi xmlns:a14="http://schemas.microsoft.com/office/drawing/2010/main" val="0"/>
+              </a:ext>
+            </a:extLst>
+          </a:blip>
+          <a:srcRect l="12432" b="6643"/>
+          <a:stretch/>
+        </p:blipFill>
+        <p:spPr>
+          <a:xfrm rot="19868378" flipH="1">
+            <a:off x="6308711" y="2184688"/>
+            <a:ext cx="5356000" cy="3646406"/>
+          </a:xfrm>
+          <a:prstGeom prst="rect">
+            <a:avLst/>
+          </a:prstGeom>
+          <a:ln>
+            <a:noFill/>
+          </a:ln>
+          <a:effectLst>
+            <a:glow>
+              <a:schemeClr val="accent1"/>
+            </a:glow>
+            <a:softEdge rad="112500"/>
+          </a:effectLst>
+        </p:spPr>
+      </p:pic>
+      <p:pic>
+        <p:nvPicPr>
+          <p:cNvPr id="50" name="図 49" descr="Cgで描かれた人の顔&#10;&#10;低い精度で自動的に生成された説明">
+            <a:extLst>
+              <a:ext uri="{FF2B5EF4-FFF2-40B4-BE49-F238E27FC236}">
+                <a16:creationId xmlns:a16="http://schemas.microsoft.com/office/drawing/2014/main" id="{9DFDED6C-B4E3-D1CC-407E-7CD879E53B1C}"/>
+              </a:ext>
+            </a:extLst>
+          </p:cNvPr>
+          <p:cNvPicPr>
+            <a:picLocks noChangeAspect="1"/>
+          </p:cNvPicPr>
+          <p:nvPr/>
+        </p:nvPicPr>
+        <p:blipFill>
+          <a:blip r:embed="rId6">
+            <a:alphaModFix amt="50000"/>
+            <a:extLst>
+              <a:ext uri="{28A0092B-C50C-407E-A947-70E740481C1C}">
+                <a14:useLocalDpi xmlns:a14="http://schemas.microsoft.com/office/drawing/2010/main" val="0"/>
+              </a:ext>
+            </a:extLst>
+          </a:blip>
+          <a:stretch>
+            <a:fillRect/>
+          </a:stretch>
+        </p:blipFill>
+        <p:spPr>
+          <a:xfrm rot="20129690">
+            <a:off x="-268987" y="3940911"/>
+            <a:ext cx="2351865" cy="2877497"/>
+          </a:xfrm>
+          <a:prstGeom prst="rect">
+            <a:avLst/>
+          </a:prstGeom>
+          <a:effectLst>
+            <a:glow>
+              <a:schemeClr val="accent1"/>
+            </a:glow>
+          </a:effectLst>
+        </p:spPr>
+      </p:pic>
+      <p:sp>
+        <p:nvSpPr>
+          <p:cNvPr id="56" name="楕円 55">
+            <a:extLst>
+              <a:ext uri="{FF2B5EF4-FFF2-40B4-BE49-F238E27FC236}">
+                <a16:creationId xmlns:a16="http://schemas.microsoft.com/office/drawing/2014/main" id="{348C8D7C-412C-009D-1510-0820A298EFE8}"/>
+              </a:ext>
+            </a:extLst>
+          </p:cNvPr>
+          <p:cNvSpPr/>
+          <p:nvPr/>
+        </p:nvSpPr>
+        <p:spPr>
+          <a:xfrm>
+            <a:off x="6875373" y="3207655"/>
+            <a:ext cx="1220531" cy="2019974"/>
+          </a:xfrm>
+          <a:prstGeom prst="ellipse">
+            <a:avLst/>
+          </a:prstGeom>
+          <a:solidFill>
+            <a:srgbClr val="F4EAD8"/>
+          </a:solidFill>
+          <a:ln>
+            <a:noFill/>
+          </a:ln>
+        </p:spPr>
+        <p:style>
+          <a:lnRef idx="2">
+            <a:schemeClr val="accent1">
+              <a:shade val="15000"/>
+            </a:schemeClr>
+          </a:lnRef>
+          <a:fillRef idx="1">
+            <a:schemeClr val="accent1"/>
+          </a:fillRef>
+          <a:effectRef idx="0">
+            <a:schemeClr val="accent1"/>
+          </a:effectRef>
+          <a:fontRef idx="minor">
+            <a:schemeClr val="lt1"/>
+          </a:fontRef>
+        </p:style>
+        <p:txBody>
+          <a:bodyPr rtlCol="0" anchor="ctr"/>
+          <a:lstStyle/>
+          <a:p>
+            <a:pPr algn="ctr"/>
+            <a:endParaRPr kumimoji="1" lang="ja-JP" altLang="en-US"/>
+          </a:p>
+        </p:txBody>
+      </p:sp>
+      <p:pic>
+        <p:nvPicPr>
+          <p:cNvPr id="3" name="図 2" descr="図形&#10;&#10;中程度の精度で自動的に生成された説明">
+            <a:extLst>
+              <a:ext uri="{FF2B5EF4-FFF2-40B4-BE49-F238E27FC236}">
+                <a16:creationId xmlns:a16="http://schemas.microsoft.com/office/drawing/2014/main" id="{96AF1B19-E318-622B-D651-31E18AE5F3E7}"/>
+              </a:ext>
+            </a:extLst>
+          </p:cNvPr>
+          <p:cNvPicPr>
+            <a:picLocks noChangeAspect="1"/>
+          </p:cNvPicPr>
+          <p:nvPr/>
+        </p:nvPicPr>
+        <p:blipFill>
+          <a:blip r:embed="rId7">
+            <a:extLst>
+              <a:ext uri="{28A0092B-C50C-407E-A947-70E740481C1C}">
+                <a14:useLocalDpi xmlns:a14="http://schemas.microsoft.com/office/drawing/2010/main" val="0"/>
+              </a:ext>
+            </a:extLst>
+          </a:blip>
+          <a:srcRect l="16558" r="15875"/>
+          <a:stretch/>
+        </p:blipFill>
+        <p:spPr>
+          <a:xfrm>
+            <a:off x="1989097" y="236259"/>
+            <a:ext cx="6549735" cy="5452689"/>
+          </a:xfrm>
+          <a:prstGeom prst="rect">
+            <a:avLst/>
+          </a:prstGeom>
+          <a:effectLst>
+            <a:glow rad="127000">
+              <a:schemeClr val="bg1"/>
+            </a:glow>
+          </a:effectLst>
+        </p:spPr>
+      </p:pic>
+      <p:grpSp>
+        <p:nvGrpSpPr>
+          <p:cNvPr id="37" name="グループ化 36">
+            <a:extLst>
+              <a:ext uri="{FF2B5EF4-FFF2-40B4-BE49-F238E27FC236}">
+                <a16:creationId xmlns:a16="http://schemas.microsoft.com/office/drawing/2014/main" id="{572EEBA2-6340-D869-A775-FEE9CD348AC2}"/>
+              </a:ext>
+            </a:extLst>
+          </p:cNvPr>
+          <p:cNvGrpSpPr/>
+          <p:nvPr/>
+        </p:nvGrpSpPr>
+        <p:grpSpPr>
+          <a:xfrm>
+            <a:off x="5768597" y="857513"/>
+            <a:ext cx="3982546" cy="2928493"/>
+            <a:chOff x="5768597" y="857513"/>
+            <a:chExt cx="3982546" cy="2928493"/>
+          </a:xfrm>
+        </p:grpSpPr>
+        <p:sp>
+          <p:nvSpPr>
+            <p:cNvPr id="33" name="正方形/長方形 32">
+              <a:extLst>
+                <a:ext uri="{FF2B5EF4-FFF2-40B4-BE49-F238E27FC236}">
+                  <a16:creationId xmlns:a16="http://schemas.microsoft.com/office/drawing/2014/main" id="{D051FDD1-8764-970B-0907-A6D0A18D9710}"/>
+                </a:ext>
+              </a:extLst>
+            </p:cNvPr>
+            <p:cNvSpPr/>
+            <p:nvPr/>
+          </p:nvSpPr>
+          <p:spPr>
+            <a:xfrm flipH="1">
+              <a:off x="8825863" y="1235900"/>
+              <a:ext cx="925280" cy="101053"/>
+            </a:xfrm>
+            <a:prstGeom prst="rect">
+              <a:avLst/>
+            </a:prstGeom>
+            <a:solidFill>
+              <a:srgbClr val="FFC000"/>
+            </a:solidFill>
+            <a:ln>
+              <a:noFill/>
+            </a:ln>
+          </p:spPr>
+          <p:style>
+            <a:lnRef idx="2">
+              <a:schemeClr val="accent1">
+                <a:shade val="15000"/>
+              </a:schemeClr>
+            </a:lnRef>
+            <a:fillRef idx="1">
+              <a:schemeClr val="accent1"/>
+            </a:fillRef>
+            <a:effectRef idx="0">
+              <a:schemeClr val="accent1"/>
+            </a:effectRef>
+            <a:fontRef idx="minor">
+              <a:schemeClr val="lt1"/>
+            </a:fontRef>
+          </p:style>
+          <p:txBody>
+            <a:bodyPr rtlCol="0" anchor="ctr"/>
+            <a:lstStyle/>
+            <a:p>
+              <a:pPr algn="ctr"/>
+              <a:endParaRPr kumimoji="1" lang="ja-JP" altLang="en-US"/>
+            </a:p>
+          </p:txBody>
+        </p:sp>
+        <p:sp>
+          <p:nvSpPr>
+            <p:cNvPr id="34" name="正方形/長方形 33">
+              <a:extLst>
+                <a:ext uri="{FF2B5EF4-FFF2-40B4-BE49-F238E27FC236}">
+                  <a16:creationId xmlns:a16="http://schemas.microsoft.com/office/drawing/2014/main" id="{C09CEF77-5FEB-31B7-A788-5E8631A5610F}"/>
+                </a:ext>
+              </a:extLst>
+            </p:cNvPr>
+            <p:cNvSpPr/>
+            <p:nvPr/>
+          </p:nvSpPr>
+          <p:spPr>
+            <a:xfrm rot="18846472" flipH="1">
+              <a:off x="6377895" y="2271233"/>
+              <a:ext cx="2928493" cy="101053"/>
+            </a:xfrm>
+            <a:prstGeom prst="rect">
+              <a:avLst/>
+            </a:prstGeom>
+            <a:solidFill>
+              <a:srgbClr val="FFC000"/>
+            </a:solidFill>
+            <a:ln>
+              <a:noFill/>
+            </a:ln>
+          </p:spPr>
+          <p:style>
+            <a:lnRef idx="2">
+              <a:schemeClr val="accent1">
+                <a:shade val="15000"/>
+              </a:schemeClr>
+            </a:lnRef>
+            <a:fillRef idx="1">
+              <a:schemeClr val="accent1"/>
+            </a:fillRef>
+            <a:effectRef idx="0">
+              <a:schemeClr val="accent1"/>
+            </a:effectRef>
+            <a:fontRef idx="minor">
+              <a:schemeClr val="lt1"/>
+            </a:fontRef>
+          </p:style>
+          <p:txBody>
+            <a:bodyPr rtlCol="0" anchor="ctr"/>
+            <a:lstStyle/>
+            <a:p>
+              <a:pPr algn="ctr"/>
+              <a:endParaRPr lang="ja-JP" altLang="en-US"/>
+            </a:p>
+          </p:txBody>
+        </p:sp>
+        <p:sp>
+          <p:nvSpPr>
+            <p:cNvPr id="35" name="楕円 34">
+              <a:extLst>
+                <a:ext uri="{FF2B5EF4-FFF2-40B4-BE49-F238E27FC236}">
+                  <a16:creationId xmlns:a16="http://schemas.microsoft.com/office/drawing/2014/main" id="{72A81640-44BD-2CF2-5389-79CAFB2C92A4}"/>
+                </a:ext>
+              </a:extLst>
+            </p:cNvPr>
+            <p:cNvSpPr/>
+            <p:nvPr/>
+          </p:nvSpPr>
+          <p:spPr>
+            <a:xfrm flipH="1">
+              <a:off x="5768597" y="3172834"/>
+              <a:ext cx="392939" cy="383801"/>
+            </a:xfrm>
+            <a:prstGeom prst="ellipse">
+              <a:avLst/>
+            </a:prstGeom>
+            <a:solidFill>
+              <a:srgbClr val="FFC000"/>
+            </a:solidFill>
+            <a:ln>
+              <a:noFill/>
+            </a:ln>
+          </p:spPr>
+          <p:style>
+            <a:lnRef idx="2">
+              <a:schemeClr val="accent1">
+                <a:shade val="15000"/>
+              </a:schemeClr>
+            </a:lnRef>
+            <a:fillRef idx="1">
+              <a:schemeClr val="accent1"/>
+            </a:fillRef>
+            <a:effectRef idx="0">
+              <a:schemeClr val="accent1"/>
+            </a:effectRef>
+            <a:fontRef idx="minor">
+              <a:schemeClr val="lt1"/>
+            </a:fontRef>
+          </p:style>
+          <p:txBody>
+            <a:bodyPr rtlCol="0" anchor="ctr"/>
+            <a:lstStyle/>
+            <a:p>
+              <a:pPr algn="ctr"/>
+              <a:endParaRPr kumimoji="1" lang="ja-JP" altLang="en-US" dirty="0"/>
+            </a:p>
+          </p:txBody>
+        </p:sp>
+        <p:sp>
+          <p:nvSpPr>
+            <p:cNvPr id="36" name="正方形/長方形 35">
+              <a:extLst>
+                <a:ext uri="{FF2B5EF4-FFF2-40B4-BE49-F238E27FC236}">
+                  <a16:creationId xmlns:a16="http://schemas.microsoft.com/office/drawing/2014/main" id="{19F57EDE-AF10-8ED1-E5EA-C4B6EC3C5F36}"/>
+                </a:ext>
+              </a:extLst>
+            </p:cNvPr>
+            <p:cNvSpPr/>
+            <p:nvPr/>
+          </p:nvSpPr>
+          <p:spPr>
+            <a:xfrm flipH="1">
+              <a:off x="5979422" y="3307622"/>
+              <a:ext cx="880482" cy="101053"/>
+            </a:xfrm>
+            <a:prstGeom prst="rect">
+              <a:avLst/>
+            </a:prstGeom>
+            <a:solidFill>
+              <a:srgbClr val="FFC000"/>
+            </a:solidFill>
+            <a:ln>
+              <a:noFill/>
+            </a:ln>
+          </p:spPr>
+          <p:style>
+            <a:lnRef idx="2">
+              <a:schemeClr val="accent1">
+                <a:shade val="15000"/>
+              </a:schemeClr>
+            </a:lnRef>
+            <a:fillRef idx="1">
+              <a:schemeClr val="accent1"/>
+            </a:fillRef>
+            <a:effectRef idx="0">
+              <a:schemeClr val="accent1"/>
+            </a:effectRef>
+            <a:fontRef idx="minor">
+              <a:schemeClr val="lt1"/>
+            </a:fontRef>
+          </p:style>
+          <p:txBody>
+            <a:bodyPr rtlCol="0" anchor="ctr"/>
+            <a:lstStyle/>
+            <a:p>
+              <a:pPr algn="ctr"/>
+              <a:endParaRPr kumimoji="1" lang="ja-JP" altLang="en-US"/>
+            </a:p>
+          </p:txBody>
+        </p:sp>
+      </p:grpSp>
+      <p:grpSp>
+        <p:nvGrpSpPr>
+          <p:cNvPr id="47" name="グループ化 46">
+            <a:extLst>
+              <a:ext uri="{FF2B5EF4-FFF2-40B4-BE49-F238E27FC236}">
+                <a16:creationId xmlns:a16="http://schemas.microsoft.com/office/drawing/2014/main" id="{E5E1A197-85F2-D710-A91E-52C1209C09A4}"/>
+              </a:ext>
+            </a:extLst>
+          </p:cNvPr>
+          <p:cNvGrpSpPr/>
+          <p:nvPr/>
+        </p:nvGrpSpPr>
+        <p:grpSpPr>
+          <a:xfrm>
+            <a:off x="5810704" y="3211580"/>
+            <a:ext cx="1853841" cy="804104"/>
+            <a:chOff x="5810704" y="3211580"/>
+            <a:chExt cx="1853841" cy="804104"/>
+          </a:xfrm>
+        </p:grpSpPr>
+        <p:sp>
+          <p:nvSpPr>
+            <p:cNvPr id="43" name="正方形/長方形 42">
+              <a:extLst>
+                <a:ext uri="{FF2B5EF4-FFF2-40B4-BE49-F238E27FC236}">
+                  <a16:creationId xmlns:a16="http://schemas.microsoft.com/office/drawing/2014/main" id="{8389C12C-0563-35D7-2209-10756D8FA71B}"/>
+                </a:ext>
+              </a:extLst>
+            </p:cNvPr>
+            <p:cNvSpPr/>
+            <p:nvPr/>
+          </p:nvSpPr>
+          <p:spPr>
+            <a:xfrm flipH="1" flipV="1">
+              <a:off x="6478904" y="3859512"/>
+              <a:ext cx="945606" cy="101053"/>
+            </a:xfrm>
+            <a:prstGeom prst="rect">
+              <a:avLst/>
+            </a:prstGeom>
+            <a:solidFill>
+              <a:srgbClr val="0070C0"/>
+            </a:solidFill>
+            <a:ln>
+              <a:noFill/>
+            </a:ln>
+          </p:spPr>
+          <p:style>
+            <a:lnRef idx="2">
+              <a:schemeClr val="accent1">
+                <a:shade val="15000"/>
+              </a:schemeClr>
+            </a:lnRef>
+            <a:fillRef idx="1">
+              <a:schemeClr val="accent1"/>
+            </a:fillRef>
+            <a:effectRef idx="0">
+              <a:schemeClr val="accent1"/>
+            </a:effectRef>
+            <a:fontRef idx="minor">
+              <a:schemeClr val="lt1"/>
+            </a:fontRef>
+          </p:style>
+          <p:txBody>
+            <a:bodyPr rtlCol="0" anchor="ctr"/>
+            <a:lstStyle/>
+            <a:p>
+              <a:pPr algn="ctr"/>
+              <a:endParaRPr kumimoji="1" lang="ja-JP" altLang="en-US" dirty="0"/>
+            </a:p>
+          </p:txBody>
+        </p:sp>
+        <p:sp>
+          <p:nvSpPr>
+            <p:cNvPr id="44" name="正方形/長方形 43">
+              <a:extLst>
+                <a:ext uri="{FF2B5EF4-FFF2-40B4-BE49-F238E27FC236}">
+                  <a16:creationId xmlns:a16="http://schemas.microsoft.com/office/drawing/2014/main" id="{BAB74FCF-4D86-83B1-FB0D-6502FB721136}"/>
+                </a:ext>
+              </a:extLst>
+            </p:cNvPr>
+            <p:cNvSpPr/>
+            <p:nvPr/>
+          </p:nvSpPr>
+          <p:spPr>
+            <a:xfrm rot="2753528" flipH="1" flipV="1">
+              <a:off x="5961959" y="3639663"/>
+              <a:ext cx="650989" cy="101053"/>
+            </a:xfrm>
+            <a:prstGeom prst="rect">
+              <a:avLst/>
+            </a:prstGeom>
+            <a:solidFill>
+              <a:srgbClr val="0070C0"/>
+            </a:solidFill>
+            <a:ln>
+              <a:noFill/>
+            </a:ln>
+          </p:spPr>
+          <p:style>
+            <a:lnRef idx="2">
+              <a:schemeClr val="accent1">
+                <a:shade val="15000"/>
+              </a:schemeClr>
+            </a:lnRef>
+            <a:fillRef idx="1">
+              <a:schemeClr val="accent1"/>
+            </a:fillRef>
+            <a:effectRef idx="0">
+              <a:schemeClr val="accent1"/>
+            </a:effectRef>
+            <a:fontRef idx="minor">
+              <a:schemeClr val="lt1"/>
+            </a:fontRef>
+          </p:style>
+          <p:txBody>
+            <a:bodyPr rtlCol="0" anchor="ctr"/>
+            <a:lstStyle/>
+            <a:p>
+              <a:pPr algn="ctr"/>
+              <a:endParaRPr lang="ja-JP" altLang="en-US"/>
+            </a:p>
+          </p:txBody>
+        </p:sp>
+        <p:sp>
+          <p:nvSpPr>
+            <p:cNvPr id="45" name="楕円 44">
+              <a:extLst>
+                <a:ext uri="{FF2B5EF4-FFF2-40B4-BE49-F238E27FC236}">
+                  <a16:creationId xmlns:a16="http://schemas.microsoft.com/office/drawing/2014/main" id="{221E7A49-B92B-B0A3-7AC2-267CC9C3B00D}"/>
+                </a:ext>
+              </a:extLst>
+            </p:cNvPr>
+            <p:cNvSpPr/>
+            <p:nvPr/>
+          </p:nvSpPr>
+          <p:spPr>
+            <a:xfrm flipH="1" flipV="1">
+              <a:off x="5810704" y="3211580"/>
+              <a:ext cx="309515" cy="302317"/>
+            </a:xfrm>
+            <a:prstGeom prst="ellipse">
+              <a:avLst/>
+            </a:prstGeom>
+            <a:solidFill>
+              <a:srgbClr val="0070C0"/>
+            </a:solidFill>
+            <a:ln>
+              <a:noFill/>
+            </a:ln>
+          </p:spPr>
+          <p:style>
+            <a:lnRef idx="2">
+              <a:schemeClr val="accent1">
+                <a:shade val="15000"/>
+              </a:schemeClr>
+            </a:lnRef>
+            <a:fillRef idx="1">
+              <a:schemeClr val="accent1"/>
+            </a:fillRef>
+            <a:effectRef idx="0">
+              <a:schemeClr val="accent1"/>
+            </a:effectRef>
+            <a:fontRef idx="minor">
+              <a:schemeClr val="lt1"/>
+            </a:fontRef>
+          </p:style>
+          <p:txBody>
+            <a:bodyPr rtlCol="0" anchor="ctr"/>
+            <a:lstStyle/>
+            <a:p>
+              <a:pPr algn="ctr"/>
+              <a:endParaRPr kumimoji="1" lang="ja-JP" altLang="en-US"/>
+            </a:p>
+          </p:txBody>
+        </p:sp>
+        <p:sp>
+          <p:nvSpPr>
+            <p:cNvPr id="46" name="正方形/長方形 45">
+              <a:extLst>
+                <a:ext uri="{FF2B5EF4-FFF2-40B4-BE49-F238E27FC236}">
+                  <a16:creationId xmlns:a16="http://schemas.microsoft.com/office/drawing/2014/main" id="{A883E6A7-0F6D-5488-F752-D9B5CD67EF53}"/>
+                </a:ext>
+              </a:extLst>
+            </p:cNvPr>
+            <p:cNvSpPr/>
+            <p:nvPr/>
+          </p:nvSpPr>
+          <p:spPr>
+            <a:xfrm rot="18846472" flipV="1">
+              <a:off x="7288524" y="3639663"/>
+              <a:ext cx="650989" cy="101053"/>
+            </a:xfrm>
+            <a:prstGeom prst="rect">
+              <a:avLst/>
+            </a:prstGeom>
+            <a:solidFill>
+              <a:srgbClr val="0070C0"/>
+            </a:solidFill>
+            <a:ln>
+              <a:noFill/>
+            </a:ln>
+          </p:spPr>
+          <p:style>
+            <a:lnRef idx="2">
+              <a:schemeClr val="accent1">
+                <a:shade val="15000"/>
+              </a:schemeClr>
+            </a:lnRef>
+            <a:fillRef idx="1">
+              <a:schemeClr val="accent1"/>
+            </a:fillRef>
+            <a:effectRef idx="0">
+              <a:schemeClr val="accent1"/>
+            </a:effectRef>
+            <a:fontRef idx="minor">
+              <a:schemeClr val="lt1"/>
+            </a:fontRef>
+          </p:style>
+          <p:txBody>
+            <a:bodyPr rtlCol="0" anchor="ctr"/>
+            <a:lstStyle/>
+            <a:p>
+              <a:pPr algn="ctr"/>
+              <a:endParaRPr lang="ja-JP" altLang="en-US"/>
+            </a:p>
+          </p:txBody>
+        </p:sp>
+      </p:grpSp>
+      <p:grpSp>
+        <p:nvGrpSpPr>
+          <p:cNvPr id="38" name="グループ化 37">
+            <a:extLst>
+              <a:ext uri="{FF2B5EF4-FFF2-40B4-BE49-F238E27FC236}">
+                <a16:creationId xmlns:a16="http://schemas.microsoft.com/office/drawing/2014/main" id="{D9C6B0DF-6EFA-7AA0-5A4F-1C8E5E62F06A}"/>
+              </a:ext>
+            </a:extLst>
+          </p:cNvPr>
+          <p:cNvGrpSpPr/>
+          <p:nvPr/>
+        </p:nvGrpSpPr>
+        <p:grpSpPr>
+          <a:xfrm flipV="1">
+            <a:off x="2240279" y="2326201"/>
+            <a:ext cx="1732323" cy="966785"/>
+            <a:chOff x="2132130" y="654097"/>
+            <a:chExt cx="1732323" cy="966785"/>
+          </a:xfrm>
+          <a:solidFill>
+            <a:srgbClr val="FF0000"/>
+          </a:solidFill>
+        </p:grpSpPr>
+        <p:sp>
+          <p:nvSpPr>
+            <p:cNvPr id="39" name="正方形/長方形 38">
+              <a:extLst>
+                <a:ext uri="{FF2B5EF4-FFF2-40B4-BE49-F238E27FC236}">
+                  <a16:creationId xmlns:a16="http://schemas.microsoft.com/office/drawing/2014/main" id="{7067346C-C453-FD6E-EED2-5E35D4C566B4}"/>
+                </a:ext>
+              </a:extLst>
+            </p:cNvPr>
+            <p:cNvSpPr/>
+            <p:nvPr/>
+          </p:nvSpPr>
+          <p:spPr>
+            <a:xfrm>
+              <a:off x="2132130" y="737353"/>
+              <a:ext cx="933421" cy="101053"/>
+            </a:xfrm>
+            <a:prstGeom prst="rect">
+              <a:avLst/>
+            </a:prstGeom>
+            <a:grpFill/>
+            <a:ln>
+              <a:noFill/>
+            </a:ln>
+          </p:spPr>
+          <p:style>
+            <a:lnRef idx="2">
+              <a:schemeClr val="accent1">
+                <a:shade val="15000"/>
+              </a:schemeClr>
+            </a:lnRef>
+            <a:fillRef idx="1">
+              <a:schemeClr val="accent1"/>
+            </a:fillRef>
+            <a:effectRef idx="0">
+              <a:schemeClr val="accent1"/>
+            </a:effectRef>
+            <a:fontRef idx="minor">
+              <a:schemeClr val="lt1"/>
+            </a:fontRef>
+          </p:style>
+          <p:txBody>
+            <a:bodyPr rtlCol="0" anchor="ctr"/>
+            <a:lstStyle/>
+            <a:p>
+              <a:pPr algn="ctr"/>
+              <a:endParaRPr kumimoji="1" lang="ja-JP" altLang="en-US" dirty="0"/>
+            </a:p>
+          </p:txBody>
+        </p:sp>
+        <p:sp>
+          <p:nvSpPr>
+            <p:cNvPr id="40" name="正方形/長方形 39">
+              <a:extLst>
+                <a:ext uri="{FF2B5EF4-FFF2-40B4-BE49-F238E27FC236}">
+                  <a16:creationId xmlns:a16="http://schemas.microsoft.com/office/drawing/2014/main" id="{CF4C3158-EFF7-5E1C-ADE0-B04AD20DF24C}"/>
+                </a:ext>
+              </a:extLst>
+            </p:cNvPr>
+            <p:cNvSpPr/>
+            <p:nvPr/>
+          </p:nvSpPr>
+          <p:spPr>
+            <a:xfrm rot="2753528">
+              <a:off x="2901613" y="1023755"/>
+              <a:ext cx="840370" cy="101053"/>
+            </a:xfrm>
+            <a:prstGeom prst="rect">
+              <a:avLst/>
+            </a:prstGeom>
+            <a:grpFill/>
+            <a:ln>
+              <a:noFill/>
+            </a:ln>
+          </p:spPr>
+          <p:style>
+            <a:lnRef idx="2">
+              <a:schemeClr val="accent1">
+                <a:shade val="15000"/>
+              </a:schemeClr>
+            </a:lnRef>
+            <a:fillRef idx="1">
+              <a:schemeClr val="accent1"/>
+            </a:fillRef>
+            <a:effectRef idx="0">
+              <a:schemeClr val="accent1"/>
+            </a:effectRef>
+            <a:fontRef idx="minor">
+              <a:schemeClr val="lt1"/>
+            </a:fontRef>
+          </p:style>
+          <p:txBody>
+            <a:bodyPr rtlCol="0" anchor="ctr"/>
+            <a:lstStyle/>
+            <a:p>
+              <a:pPr algn="ctr"/>
+              <a:endParaRPr lang="ja-JP" altLang="en-US"/>
+            </a:p>
+          </p:txBody>
+        </p:sp>
+        <p:sp>
+          <p:nvSpPr>
+            <p:cNvPr id="41" name="楕円 40">
+              <a:extLst>
+                <a:ext uri="{FF2B5EF4-FFF2-40B4-BE49-F238E27FC236}">
+                  <a16:creationId xmlns:a16="http://schemas.microsoft.com/office/drawing/2014/main" id="{F50DAB02-CA01-424B-4921-F1555DE8D2C9}"/>
+                </a:ext>
+              </a:extLst>
+            </p:cNvPr>
+            <p:cNvSpPr/>
+            <p:nvPr/>
+          </p:nvSpPr>
+          <p:spPr>
+            <a:xfrm>
+              <a:off x="3554938" y="1318565"/>
+              <a:ext cx="309515" cy="302317"/>
+            </a:xfrm>
+            <a:prstGeom prst="ellipse">
+              <a:avLst/>
+            </a:prstGeom>
+            <a:grpFill/>
+            <a:ln>
+              <a:noFill/>
+            </a:ln>
+          </p:spPr>
+          <p:style>
+            <a:lnRef idx="2">
+              <a:schemeClr val="accent1">
+                <a:shade val="15000"/>
+              </a:schemeClr>
+            </a:lnRef>
+            <a:fillRef idx="1">
+              <a:schemeClr val="accent1"/>
+            </a:fillRef>
+            <a:effectRef idx="0">
+              <a:schemeClr val="accent1"/>
+            </a:effectRef>
+            <a:fontRef idx="minor">
+              <a:schemeClr val="lt1"/>
+            </a:fontRef>
+          </p:style>
+          <p:txBody>
+            <a:bodyPr rtlCol="0" anchor="ctr"/>
+            <a:lstStyle/>
+            <a:p>
+              <a:pPr algn="ctr"/>
+              <a:endParaRPr kumimoji="1" lang="ja-JP" altLang="en-US"/>
+            </a:p>
+          </p:txBody>
+        </p:sp>
+      </p:grpSp>
+      <p:grpSp>
+        <p:nvGrpSpPr>
+          <p:cNvPr id="27" name="グループ化 26">
+            <a:extLst>
+              <a:ext uri="{FF2B5EF4-FFF2-40B4-BE49-F238E27FC236}">
+                <a16:creationId xmlns:a16="http://schemas.microsoft.com/office/drawing/2014/main" id="{E9A150D6-106C-CEBD-EDE7-BDB02B051C52}"/>
+              </a:ext>
+            </a:extLst>
+          </p:cNvPr>
+          <p:cNvGrpSpPr/>
+          <p:nvPr/>
+        </p:nvGrpSpPr>
+        <p:grpSpPr>
+          <a:xfrm>
+            <a:off x="1584961" y="910370"/>
+            <a:ext cx="2279492" cy="710512"/>
+            <a:chOff x="1584961" y="910370"/>
+            <a:chExt cx="2279492" cy="710512"/>
+          </a:xfrm>
+        </p:grpSpPr>
+        <p:sp>
+          <p:nvSpPr>
+            <p:cNvPr id="10" name="正方形/長方形 9">
+              <a:extLst>
+                <a:ext uri="{FF2B5EF4-FFF2-40B4-BE49-F238E27FC236}">
+                  <a16:creationId xmlns:a16="http://schemas.microsoft.com/office/drawing/2014/main" id="{6D266168-4379-E242-05B3-120D75CFB79D}"/>
+                </a:ext>
+              </a:extLst>
+            </p:cNvPr>
+            <p:cNvSpPr/>
+            <p:nvPr/>
+          </p:nvSpPr>
+          <p:spPr>
+            <a:xfrm>
+              <a:off x="1584961" y="951622"/>
+              <a:ext cx="1687410" cy="101053"/>
+            </a:xfrm>
+            <a:prstGeom prst="rect">
+              <a:avLst/>
+            </a:prstGeom>
+            <a:solidFill>
+              <a:srgbClr val="00B050"/>
+            </a:solidFill>
+            <a:ln>
+              <a:noFill/>
+            </a:ln>
+          </p:spPr>
+          <p:style>
+            <a:lnRef idx="2">
+              <a:schemeClr val="accent1">
+                <a:shade val="15000"/>
+              </a:schemeClr>
+            </a:lnRef>
+            <a:fillRef idx="1">
+              <a:schemeClr val="accent1"/>
+            </a:fillRef>
+            <a:effectRef idx="0">
+              <a:schemeClr val="accent1"/>
+            </a:effectRef>
+            <a:fontRef idx="minor">
+              <a:schemeClr val="lt1"/>
+            </a:fontRef>
+          </p:style>
+          <p:txBody>
+            <a:bodyPr rtlCol="0" anchor="ctr"/>
+            <a:lstStyle/>
+            <a:p>
+              <a:pPr algn="ctr"/>
+              <a:endParaRPr kumimoji="1" lang="ja-JP" altLang="en-US"/>
+            </a:p>
+          </p:txBody>
+        </p:sp>
+        <p:sp>
+          <p:nvSpPr>
+            <p:cNvPr id="18" name="正方形/長方形 17">
+              <a:extLst>
+                <a:ext uri="{FF2B5EF4-FFF2-40B4-BE49-F238E27FC236}">
+                  <a16:creationId xmlns:a16="http://schemas.microsoft.com/office/drawing/2014/main" id="{606ACA6B-99BB-15E1-B9E7-2D9B5A6078D4}"/>
+                </a:ext>
+              </a:extLst>
+            </p:cNvPr>
+            <p:cNvSpPr/>
+            <p:nvPr/>
+          </p:nvSpPr>
+          <p:spPr>
+            <a:xfrm rot="2753528">
+              <a:off x="3154603" y="1130861"/>
+              <a:ext cx="542035" cy="101053"/>
+            </a:xfrm>
+            <a:prstGeom prst="rect">
+              <a:avLst/>
+            </a:prstGeom>
+            <a:solidFill>
+              <a:srgbClr val="00B050"/>
+            </a:solidFill>
+            <a:ln>
+              <a:noFill/>
+            </a:ln>
+          </p:spPr>
+          <p:style>
+            <a:lnRef idx="2">
+              <a:schemeClr val="accent1">
+                <a:shade val="15000"/>
+              </a:schemeClr>
+            </a:lnRef>
+            <a:fillRef idx="1">
+              <a:schemeClr val="accent1"/>
+            </a:fillRef>
+            <a:effectRef idx="0">
+              <a:schemeClr val="accent1"/>
+            </a:effectRef>
+            <a:fontRef idx="minor">
+              <a:schemeClr val="lt1"/>
+            </a:fontRef>
+          </p:style>
+          <p:txBody>
+            <a:bodyPr rtlCol="0" anchor="ctr"/>
+            <a:lstStyle/>
+            <a:p>
+              <a:pPr algn="ctr"/>
+              <a:endParaRPr lang="ja-JP" altLang="en-US"/>
+            </a:p>
+          </p:txBody>
+        </p:sp>
+        <p:sp>
+          <p:nvSpPr>
+            <p:cNvPr id="25" name="楕円 24">
+              <a:extLst>
+                <a:ext uri="{FF2B5EF4-FFF2-40B4-BE49-F238E27FC236}">
+                  <a16:creationId xmlns:a16="http://schemas.microsoft.com/office/drawing/2014/main" id="{F8BA14BE-C277-EFC1-9ACD-71C518A19FCC}"/>
+                </a:ext>
+              </a:extLst>
+            </p:cNvPr>
+            <p:cNvSpPr/>
+            <p:nvPr/>
+          </p:nvSpPr>
+          <p:spPr>
+            <a:xfrm>
+              <a:off x="3554938" y="1318565"/>
+              <a:ext cx="309515" cy="302317"/>
+            </a:xfrm>
+            <a:prstGeom prst="ellipse">
+              <a:avLst/>
+            </a:prstGeom>
+            <a:solidFill>
+              <a:srgbClr val="00B050"/>
+            </a:solidFill>
+            <a:ln>
+              <a:noFill/>
+            </a:ln>
+          </p:spPr>
+          <p:style>
+            <a:lnRef idx="2">
+              <a:schemeClr val="accent1">
+                <a:shade val="15000"/>
+              </a:schemeClr>
+            </a:lnRef>
+            <a:fillRef idx="1">
+              <a:schemeClr val="accent1"/>
+            </a:fillRef>
+            <a:effectRef idx="0">
+              <a:schemeClr val="accent1"/>
+            </a:effectRef>
+            <a:fontRef idx="minor">
+              <a:schemeClr val="lt1"/>
+            </a:fontRef>
+          </p:style>
+          <p:txBody>
+            <a:bodyPr rtlCol="0" anchor="ctr"/>
+            <a:lstStyle/>
+            <a:p>
+              <a:pPr algn="ctr"/>
+              <a:endParaRPr kumimoji="1" lang="ja-JP" altLang="en-US"/>
+            </a:p>
+          </p:txBody>
+        </p:sp>
+      </p:grpSp>
+      <p:grpSp>
+        <p:nvGrpSpPr>
+          <p:cNvPr id="28" name="グループ化 27">
+            <a:extLst>
+              <a:ext uri="{FF2B5EF4-FFF2-40B4-BE49-F238E27FC236}">
+                <a16:creationId xmlns:a16="http://schemas.microsoft.com/office/drawing/2014/main" id="{E9AFBE79-3028-FFED-642D-63D4300CF17F}"/>
+              </a:ext>
+            </a:extLst>
+          </p:cNvPr>
+          <p:cNvGrpSpPr/>
+          <p:nvPr/>
+        </p:nvGrpSpPr>
+        <p:grpSpPr>
+          <a:xfrm flipH="1">
+            <a:off x="6620264" y="578060"/>
+            <a:ext cx="2547747" cy="1084672"/>
+            <a:chOff x="1584963" y="809856"/>
+            <a:chExt cx="2547747" cy="1084672"/>
+          </a:xfrm>
+          <a:solidFill>
+            <a:srgbClr val="FFC000"/>
+          </a:solidFill>
+        </p:grpSpPr>
+        <p:sp>
+          <p:nvSpPr>
+            <p:cNvPr id="29" name="正方形/長方形 28">
+              <a:extLst>
+                <a:ext uri="{FF2B5EF4-FFF2-40B4-BE49-F238E27FC236}">
+                  <a16:creationId xmlns:a16="http://schemas.microsoft.com/office/drawing/2014/main" id="{049A8E4A-FCD3-EF02-F1E3-147F69717ADA}"/>
+                </a:ext>
+              </a:extLst>
+            </p:cNvPr>
+            <p:cNvSpPr/>
+            <p:nvPr/>
+          </p:nvSpPr>
+          <p:spPr>
+            <a:xfrm>
+              <a:off x="1584963" y="921142"/>
+              <a:ext cx="1662312" cy="101053"/>
+            </a:xfrm>
+            <a:prstGeom prst="rect">
+              <a:avLst/>
+            </a:prstGeom>
+            <a:grpFill/>
+            <a:ln>
+              <a:noFill/>
+            </a:ln>
+          </p:spPr>
+          <p:style>
+            <a:lnRef idx="2">
+              <a:schemeClr val="accent1">
+                <a:shade val="15000"/>
+              </a:schemeClr>
+            </a:lnRef>
+            <a:fillRef idx="1">
+              <a:schemeClr val="accent1"/>
+            </a:fillRef>
+            <a:effectRef idx="0">
+              <a:schemeClr val="accent1"/>
+            </a:effectRef>
+            <a:fontRef idx="minor">
+              <a:schemeClr val="lt1"/>
+            </a:fontRef>
+          </p:style>
+          <p:txBody>
+            <a:bodyPr rtlCol="0" anchor="ctr"/>
+            <a:lstStyle/>
+            <a:p>
+              <a:pPr algn="ctr"/>
+              <a:endParaRPr kumimoji="1" lang="ja-JP" altLang="en-US"/>
+            </a:p>
+          </p:txBody>
+        </p:sp>
+        <p:sp>
+          <p:nvSpPr>
+            <p:cNvPr id="30" name="正方形/長方形 29">
+              <a:extLst>
+                <a:ext uri="{FF2B5EF4-FFF2-40B4-BE49-F238E27FC236}">
+                  <a16:creationId xmlns:a16="http://schemas.microsoft.com/office/drawing/2014/main" id="{3B8ADC10-6722-E40C-769A-70662CDDA885}"/>
+                </a:ext>
+              </a:extLst>
+            </p:cNvPr>
+            <p:cNvSpPr/>
+            <p:nvPr/>
+          </p:nvSpPr>
+          <p:spPr>
+            <a:xfrm rot="2753528">
+              <a:off x="3054708" y="1276309"/>
+              <a:ext cx="1033960" cy="101053"/>
+            </a:xfrm>
+            <a:prstGeom prst="rect">
+              <a:avLst/>
+            </a:prstGeom>
+            <a:grpFill/>
+            <a:ln>
+              <a:noFill/>
+            </a:ln>
+          </p:spPr>
+          <p:style>
+            <a:lnRef idx="2">
+              <a:schemeClr val="accent1">
+                <a:shade val="15000"/>
+              </a:schemeClr>
+            </a:lnRef>
+            <a:fillRef idx="1">
+              <a:schemeClr val="accent1"/>
+            </a:fillRef>
+            <a:effectRef idx="0">
+              <a:schemeClr val="accent1"/>
+            </a:effectRef>
+            <a:fontRef idx="minor">
+              <a:schemeClr val="lt1"/>
+            </a:fontRef>
+          </p:style>
+          <p:txBody>
+            <a:bodyPr rtlCol="0" anchor="ctr"/>
+            <a:lstStyle/>
+            <a:p>
+              <a:pPr algn="ctr"/>
+              <a:endParaRPr lang="ja-JP" altLang="en-US"/>
+            </a:p>
+          </p:txBody>
+        </p:sp>
+        <p:sp>
+          <p:nvSpPr>
+            <p:cNvPr id="31" name="楕円 30">
+              <a:extLst>
+                <a:ext uri="{FF2B5EF4-FFF2-40B4-BE49-F238E27FC236}">
+                  <a16:creationId xmlns:a16="http://schemas.microsoft.com/office/drawing/2014/main" id="{55A18696-FAE2-5257-2FBC-FFF4EF0DFCA8}"/>
+                </a:ext>
+              </a:extLst>
+            </p:cNvPr>
+            <p:cNvSpPr/>
+            <p:nvPr/>
+          </p:nvSpPr>
+          <p:spPr>
+            <a:xfrm>
+              <a:off x="3823195" y="1592211"/>
+              <a:ext cx="309515" cy="302317"/>
+            </a:xfrm>
+            <a:prstGeom prst="ellipse">
+              <a:avLst/>
+            </a:prstGeom>
+            <a:grpFill/>
+            <a:ln>
+              <a:noFill/>
+            </a:ln>
+          </p:spPr>
+          <p:style>
+            <a:lnRef idx="2">
+              <a:schemeClr val="accent1">
+                <a:shade val="15000"/>
+              </a:schemeClr>
+            </a:lnRef>
+            <a:fillRef idx="1">
+              <a:schemeClr val="accent1"/>
+            </a:fillRef>
+            <a:effectRef idx="0">
+              <a:schemeClr val="accent1"/>
+            </a:effectRef>
+            <a:fontRef idx="minor">
+              <a:schemeClr val="lt1"/>
+            </a:fontRef>
+          </p:style>
+          <p:txBody>
+            <a:bodyPr rtlCol="0" anchor="ctr"/>
+            <a:lstStyle/>
+            <a:p>
+              <a:pPr algn="ctr"/>
+              <a:endParaRPr kumimoji="1" lang="ja-JP" altLang="en-US"/>
+            </a:p>
+          </p:txBody>
+        </p:sp>
+      </p:grpSp>
       <p:sp>
         <p:nvSpPr>
           <p:cNvPr id="16" name="テキスト ボックス 15">
@@ -5248,10 +6540,516 @@
           </a:p>
         </p:txBody>
       </p:sp>
+      <p:grpSp>
+        <p:nvGrpSpPr>
+          <p:cNvPr id="4" name="グループ化 3">
+            <a:extLst>
+              <a:ext uri="{FF2B5EF4-FFF2-40B4-BE49-F238E27FC236}">
+                <a16:creationId xmlns:a16="http://schemas.microsoft.com/office/drawing/2014/main" id="{C04B4B71-7B97-4588-6596-9582C0154DAB}"/>
+              </a:ext>
+            </a:extLst>
+          </p:cNvPr>
+          <p:cNvGrpSpPr/>
+          <p:nvPr/>
+        </p:nvGrpSpPr>
+        <p:grpSpPr>
+          <a:xfrm>
+            <a:off x="7361333" y="2463506"/>
+            <a:ext cx="1625397" cy="4061185"/>
+            <a:chOff x="6885660" y="587015"/>
+            <a:chExt cx="1625397" cy="4061185"/>
+          </a:xfrm>
+        </p:grpSpPr>
+        <p:pic>
+          <p:nvPicPr>
+            <p:cNvPr id="6" name="図 5" descr="図形&#10;&#10;低い精度で自動的に生成された説明">
+              <a:extLst>
+                <a:ext uri="{FF2B5EF4-FFF2-40B4-BE49-F238E27FC236}">
+                  <a16:creationId xmlns:a16="http://schemas.microsoft.com/office/drawing/2014/main" id="{8FBB849A-CA15-60F9-B013-C9B4749F1784}"/>
+                </a:ext>
+              </a:extLst>
+            </p:cNvPr>
+            <p:cNvPicPr>
+              <a:picLocks noChangeAspect="1"/>
+            </p:cNvPicPr>
+            <p:nvPr/>
+          </p:nvPicPr>
+          <p:blipFill>
+            <a:blip r:embed="rId8">
+              <a:extLst>
+                <a:ext uri="{28A0092B-C50C-407E-A947-70E740481C1C}">
+                  <a14:useLocalDpi xmlns:a14="http://schemas.microsoft.com/office/drawing/2010/main" val="0"/>
+                </a:ext>
+              </a:extLst>
+            </a:blip>
+            <a:stretch>
+              <a:fillRect/>
+            </a:stretch>
+          </p:blipFill>
+          <p:spPr>
+            <a:xfrm>
+              <a:off x="6885660" y="587015"/>
+              <a:ext cx="1625397" cy="1625397"/>
+            </a:xfrm>
+            <a:prstGeom prst="rect">
+              <a:avLst/>
+            </a:prstGeom>
+            <a:effectLst>
+              <a:glow rad="127000">
+                <a:schemeClr val="bg1"/>
+              </a:glow>
+            </a:effectLst>
+          </p:spPr>
+        </p:pic>
+        <p:sp>
+          <p:nvSpPr>
+            <p:cNvPr id="8" name="テキスト ボックス 7">
+              <a:extLst>
+                <a:ext uri="{FF2B5EF4-FFF2-40B4-BE49-F238E27FC236}">
+                  <a16:creationId xmlns:a16="http://schemas.microsoft.com/office/drawing/2014/main" id="{74F33D58-F384-AC4C-128A-D5D5864DD58C}"/>
+                </a:ext>
+              </a:extLst>
+            </p:cNvPr>
+            <p:cNvSpPr txBox="1"/>
+            <p:nvPr/>
+          </p:nvSpPr>
+          <p:spPr>
+            <a:xfrm>
+              <a:off x="6928918" y="2209800"/>
+              <a:ext cx="1538883" cy="2438400"/>
+            </a:xfrm>
+            <a:prstGeom prst="rect">
+              <a:avLst/>
+            </a:prstGeom>
+            <a:noFill/>
+          </p:spPr>
+          <p:txBody>
+            <a:bodyPr vert="eaVert" wrap="square" rtlCol="0">
+              <a:spAutoFit/>
+            </a:bodyPr>
+            <a:lstStyle/>
+            <a:p>
+              <a:r>
+                <a:rPr kumimoji="1" lang="ja-JP" altLang="en-US" sz="8800" dirty="0">
+                  <a:ln w="28575">
+                    <a:noFill/>
+                  </a:ln>
+                  <a:solidFill>
+                    <a:srgbClr val="0070C0"/>
+                  </a:solidFill>
+                  <a:effectLst>
+                    <a:glow rad="127000">
+                      <a:schemeClr val="bg1"/>
+                    </a:glow>
+                  </a:effectLst>
+                  <a:latin typeface="玉ねぎ楷書激無料版v7改" panose="02000600000000000000" pitchFamily="2" charset="-128"/>
+                  <a:ea typeface="玉ねぎ楷書激無料版v7改" panose="02000600000000000000" pitchFamily="2" charset="-128"/>
+                </a:rPr>
+                <a:t>分身</a:t>
+              </a:r>
+            </a:p>
+          </p:txBody>
+        </p:sp>
+      </p:grpSp>
+      <p:grpSp>
+        <p:nvGrpSpPr>
+          <p:cNvPr id="20" name="グループ化 19">
+            <a:extLst>
+              <a:ext uri="{FF2B5EF4-FFF2-40B4-BE49-F238E27FC236}">
+                <a16:creationId xmlns:a16="http://schemas.microsoft.com/office/drawing/2014/main" id="{28C3781E-B7D8-1555-EDC2-E6CE359477A6}"/>
+              </a:ext>
+            </a:extLst>
+          </p:cNvPr>
+          <p:cNvGrpSpPr/>
+          <p:nvPr/>
+        </p:nvGrpSpPr>
+        <p:grpSpPr>
+          <a:xfrm>
+            <a:off x="1447594" y="2460894"/>
+            <a:ext cx="1625397" cy="4063797"/>
+            <a:chOff x="8424543" y="584403"/>
+            <a:chExt cx="1625397" cy="4063797"/>
+          </a:xfrm>
+        </p:grpSpPr>
+        <p:pic>
+          <p:nvPicPr>
+            <p:cNvPr id="9" name="図 8" descr="図形&#10;&#10;低い精度で自動的に生成された説明">
+              <a:extLst>
+                <a:ext uri="{FF2B5EF4-FFF2-40B4-BE49-F238E27FC236}">
+                  <a16:creationId xmlns:a16="http://schemas.microsoft.com/office/drawing/2014/main" id="{6E7411A5-0CE8-65EB-7654-52EB3328CD1C}"/>
+                </a:ext>
+              </a:extLst>
+            </p:cNvPr>
+            <p:cNvPicPr>
+              <a:picLocks noChangeAspect="1"/>
+            </p:cNvPicPr>
+            <p:nvPr/>
+          </p:nvPicPr>
+          <p:blipFill>
+            <a:blip r:embed="rId9">
+              <a:extLst>
+                <a:ext uri="{28A0092B-C50C-407E-A947-70E740481C1C}">
+                  <a14:useLocalDpi xmlns:a14="http://schemas.microsoft.com/office/drawing/2010/main" val="0"/>
+                </a:ext>
+              </a:extLst>
+            </a:blip>
+            <a:stretch>
+              <a:fillRect/>
+            </a:stretch>
+          </p:blipFill>
+          <p:spPr>
+            <a:xfrm>
+              <a:off x="8424543" y="584403"/>
+              <a:ext cx="1625397" cy="1625397"/>
+            </a:xfrm>
+            <a:prstGeom prst="rect">
+              <a:avLst/>
+            </a:prstGeom>
+            <a:effectLst>
+              <a:glow rad="127000">
+                <a:schemeClr val="bg1"/>
+              </a:glow>
+            </a:effectLst>
+          </p:spPr>
+        </p:pic>
+        <p:sp>
+          <p:nvSpPr>
+            <p:cNvPr id="13" name="テキスト ボックス 12">
+              <a:extLst>
+                <a:ext uri="{FF2B5EF4-FFF2-40B4-BE49-F238E27FC236}">
+                  <a16:creationId xmlns:a16="http://schemas.microsoft.com/office/drawing/2014/main" id="{712D405B-FF91-CB87-C9A2-7F331F6606FA}"/>
+                </a:ext>
+              </a:extLst>
+            </p:cNvPr>
+            <p:cNvSpPr txBox="1"/>
+            <p:nvPr/>
+          </p:nvSpPr>
+          <p:spPr>
+            <a:xfrm>
+              <a:off x="8467801" y="2209800"/>
+              <a:ext cx="1538883" cy="2438400"/>
+            </a:xfrm>
+            <a:prstGeom prst="rect">
+              <a:avLst/>
+            </a:prstGeom>
+            <a:noFill/>
+          </p:spPr>
+          <p:txBody>
+            <a:bodyPr vert="eaVert" wrap="square" rtlCol="0">
+              <a:spAutoFit/>
+            </a:bodyPr>
+            <a:lstStyle/>
+            <a:p>
+              <a:r>
+                <a:rPr kumimoji="1" lang="ja-JP" altLang="en-US" sz="8800" dirty="0">
+                  <a:ln w="28575">
+                    <a:noFill/>
+                  </a:ln>
+                  <a:solidFill>
+                    <a:srgbClr val="FF0000"/>
+                  </a:solidFill>
+                  <a:effectLst>
+                    <a:glow rad="127000">
+                      <a:schemeClr val="bg1"/>
+                    </a:glow>
+                  </a:effectLst>
+                  <a:latin typeface="玉ねぎ楷書激無料版v7改" panose="02000600000000000000" pitchFamily="2" charset="-128"/>
+                  <a:ea typeface="玉ねぎ楷書激無料版v7改" panose="02000600000000000000" pitchFamily="2" charset="-128"/>
+                </a:rPr>
+                <a:t>移動</a:t>
+              </a:r>
+            </a:p>
+          </p:txBody>
+        </p:sp>
+      </p:grpSp>
+      <p:grpSp>
+        <p:nvGrpSpPr>
+          <p:cNvPr id="22" name="グループ化 21">
+            <a:extLst>
+              <a:ext uri="{FF2B5EF4-FFF2-40B4-BE49-F238E27FC236}">
+                <a16:creationId xmlns:a16="http://schemas.microsoft.com/office/drawing/2014/main" id="{F9E35F87-FA2C-544C-A898-E7D8C419C30D}"/>
+              </a:ext>
+            </a:extLst>
+          </p:cNvPr>
+          <p:cNvGrpSpPr/>
+          <p:nvPr/>
+        </p:nvGrpSpPr>
+        <p:grpSpPr>
+          <a:xfrm>
+            <a:off x="8634010" y="177689"/>
+            <a:ext cx="1706179" cy="4063372"/>
+            <a:chOff x="5255083" y="584403"/>
+            <a:chExt cx="1706179" cy="4063372"/>
+          </a:xfrm>
+        </p:grpSpPr>
+        <p:grpSp>
+          <p:nvGrpSpPr>
+            <p:cNvPr id="17" name="グループ化 16">
+              <a:extLst>
+                <a:ext uri="{FF2B5EF4-FFF2-40B4-BE49-F238E27FC236}">
+                  <a16:creationId xmlns:a16="http://schemas.microsoft.com/office/drawing/2014/main" id="{20788287-88F0-3F47-D8CF-3699F168D78E}"/>
+                </a:ext>
+              </a:extLst>
+            </p:cNvPr>
+            <p:cNvGrpSpPr/>
+            <p:nvPr/>
+          </p:nvGrpSpPr>
+          <p:grpSpPr>
+            <a:xfrm>
+              <a:off x="5255083" y="584403"/>
+              <a:ext cx="1706179" cy="1624972"/>
+              <a:chOff x="2675851" y="437347"/>
+              <a:chExt cx="1706179" cy="1624972"/>
+            </a:xfrm>
+          </p:grpSpPr>
+          <p:pic>
+            <p:nvPicPr>
+              <p:cNvPr id="12" name="図 11" descr="図形&#10;&#10;低い精度で自動的に生成された説明">
+                <a:extLst>
+                  <a:ext uri="{FF2B5EF4-FFF2-40B4-BE49-F238E27FC236}">
+                    <a16:creationId xmlns:a16="http://schemas.microsoft.com/office/drawing/2014/main" id="{ACF23B59-090B-E540-A3C5-A4B0248E4EAA}"/>
+                  </a:ext>
+                </a:extLst>
+              </p:cNvPr>
+              <p:cNvPicPr>
+                <a:picLocks noChangeAspect="1"/>
+              </p:cNvPicPr>
+              <p:nvPr/>
+            </p:nvPicPr>
+            <p:blipFill>
+              <a:blip r:embed="rId8">
+                <a:extLst>
+                  <a:ext uri="{28A0092B-C50C-407E-A947-70E740481C1C}">
+                    <a14:useLocalDpi xmlns:a14="http://schemas.microsoft.com/office/drawing/2010/main" val="0"/>
+                  </a:ext>
+                </a:extLst>
+              </a:blip>
+              <a:stretch>
+                <a:fillRect/>
+              </a:stretch>
+            </p:blipFill>
+            <p:spPr>
+              <a:xfrm>
+                <a:off x="3264897" y="945186"/>
+                <a:ext cx="1117133" cy="1117133"/>
+              </a:xfrm>
+              <a:prstGeom prst="rect">
+                <a:avLst/>
+              </a:prstGeom>
+              <a:effectLst>
+                <a:glow rad="127000">
+                  <a:schemeClr val="bg1"/>
+                </a:glow>
+              </a:effectLst>
+            </p:spPr>
+          </p:pic>
+          <p:pic>
+            <p:nvPicPr>
+              <p:cNvPr id="7" name="図 6" descr="図形&#10;&#10;低い精度で自動的に生成された説明">
+                <a:extLst>
+                  <a:ext uri="{FF2B5EF4-FFF2-40B4-BE49-F238E27FC236}">
+                    <a16:creationId xmlns:a16="http://schemas.microsoft.com/office/drawing/2014/main" id="{F2F73BFE-9A48-F0BB-8857-57385C8E83D3}"/>
+                  </a:ext>
+                </a:extLst>
+              </p:cNvPr>
+              <p:cNvPicPr>
+                <a:picLocks noChangeAspect="1"/>
+              </p:cNvPicPr>
+              <p:nvPr/>
+            </p:nvPicPr>
+            <p:blipFill>
+              <a:blip r:embed="rId10">
+                <a:extLst>
+                  <a:ext uri="{28A0092B-C50C-407E-A947-70E740481C1C}">
+                    <a14:useLocalDpi xmlns:a14="http://schemas.microsoft.com/office/drawing/2010/main" val="0"/>
+                  </a:ext>
+                </a:extLst>
+              </a:blip>
+              <a:stretch>
+                <a:fillRect/>
+              </a:stretch>
+            </p:blipFill>
+            <p:spPr>
+              <a:xfrm>
+                <a:off x="2675851" y="437347"/>
+                <a:ext cx="1117133" cy="1117133"/>
+              </a:xfrm>
+              <a:prstGeom prst="rect">
+                <a:avLst/>
+              </a:prstGeom>
+              <a:effectLst>
+                <a:glow rad="127000">
+                  <a:schemeClr val="bg1"/>
+                </a:glow>
+              </a:effectLst>
+            </p:spPr>
+          </p:pic>
+        </p:grpSp>
+        <p:sp>
+          <p:nvSpPr>
+            <p:cNvPr id="15" name="テキスト ボックス 14">
+              <a:extLst>
+                <a:ext uri="{FF2B5EF4-FFF2-40B4-BE49-F238E27FC236}">
+                  <a16:creationId xmlns:a16="http://schemas.microsoft.com/office/drawing/2014/main" id="{0ABDFDD9-78C0-0CD1-98B2-AAAB2ABB67B9}"/>
+                </a:ext>
+              </a:extLst>
+            </p:cNvPr>
+            <p:cNvSpPr txBox="1"/>
+            <p:nvPr/>
+          </p:nvSpPr>
+          <p:spPr>
+            <a:xfrm>
+              <a:off x="5327201" y="2209375"/>
+              <a:ext cx="1538883" cy="2438400"/>
+            </a:xfrm>
+            <a:prstGeom prst="rect">
+              <a:avLst/>
+            </a:prstGeom>
+            <a:noFill/>
+          </p:spPr>
+          <p:txBody>
+            <a:bodyPr vert="eaVert" wrap="square" rtlCol="0">
+              <a:spAutoFit/>
+            </a:bodyPr>
+            <a:lstStyle/>
+            <a:p>
+              <a:r>
+                <a:rPr kumimoji="1" lang="ja-JP" altLang="en-US" sz="8800" dirty="0">
+                  <a:ln w="28575">
+                    <a:noFill/>
+                  </a:ln>
+                  <a:solidFill>
+                    <a:srgbClr val="FFC000"/>
+                  </a:solidFill>
+                  <a:effectLst>
+                    <a:glow rad="127000">
+                      <a:schemeClr val="bg1"/>
+                    </a:glow>
+                  </a:effectLst>
+                  <a:latin typeface="玉ねぎ楷書激無料版v7改" panose="02000600000000000000" pitchFamily="2" charset="-128"/>
+                  <a:ea typeface="玉ねぎ楷書激無料版v7改" panose="02000600000000000000" pitchFamily="2" charset="-128"/>
+                </a:rPr>
+                <a:t>回避</a:t>
+              </a:r>
+            </a:p>
+          </p:txBody>
+        </p:sp>
+      </p:grpSp>
+      <p:grpSp>
+        <p:nvGrpSpPr>
+          <p:cNvPr id="23" name="グループ化 22">
+            <a:extLst>
+              <a:ext uri="{FF2B5EF4-FFF2-40B4-BE49-F238E27FC236}">
+                <a16:creationId xmlns:a16="http://schemas.microsoft.com/office/drawing/2014/main" id="{06D7BA84-BF57-8CF9-E4D8-5BF93221D0F7}"/>
+              </a:ext>
+            </a:extLst>
+          </p:cNvPr>
+          <p:cNvGrpSpPr/>
+          <p:nvPr/>
+        </p:nvGrpSpPr>
+        <p:grpSpPr>
+          <a:xfrm>
+            <a:off x="200476" y="177689"/>
+            <a:ext cx="1625397" cy="4063372"/>
+            <a:chOff x="3748169" y="584403"/>
+            <a:chExt cx="1625397" cy="4063372"/>
+          </a:xfrm>
+        </p:grpSpPr>
+        <p:pic>
+          <p:nvPicPr>
+            <p:cNvPr id="5" name="図 4" descr="図形&#10;&#10;低い精度で自動的に生成された説明">
+              <a:extLst>
+                <a:ext uri="{FF2B5EF4-FFF2-40B4-BE49-F238E27FC236}">
+                  <a16:creationId xmlns:a16="http://schemas.microsoft.com/office/drawing/2014/main" id="{4A36D4BB-E448-D3BF-1C97-5EE4609B2A5E}"/>
+                </a:ext>
+              </a:extLst>
+            </p:cNvPr>
+            <p:cNvPicPr>
+              <a:picLocks noChangeAspect="1"/>
+            </p:cNvPicPr>
+            <p:nvPr/>
+          </p:nvPicPr>
+          <p:blipFill>
+            <a:blip r:embed="rId11">
+              <a:extLst>
+                <a:ext uri="{28A0092B-C50C-407E-A947-70E740481C1C}">
+                  <a14:useLocalDpi xmlns:a14="http://schemas.microsoft.com/office/drawing/2010/main" val="0"/>
+                </a:ext>
+              </a:extLst>
+            </a:blip>
+            <a:stretch>
+              <a:fillRect/>
+            </a:stretch>
+          </p:blipFill>
+          <p:spPr>
+            <a:xfrm>
+              <a:off x="3748169" y="584403"/>
+              <a:ext cx="1625397" cy="1625397"/>
+            </a:xfrm>
+            <a:prstGeom prst="rect">
+              <a:avLst/>
+            </a:prstGeom>
+            <a:effectLst>
+              <a:glow rad="127000">
+                <a:schemeClr val="bg1"/>
+              </a:glow>
+            </a:effectLst>
+          </p:spPr>
+        </p:pic>
+        <p:sp>
+          <p:nvSpPr>
+            <p:cNvPr id="19" name="テキスト ボックス 18">
+              <a:extLst>
+                <a:ext uri="{FF2B5EF4-FFF2-40B4-BE49-F238E27FC236}">
+                  <a16:creationId xmlns:a16="http://schemas.microsoft.com/office/drawing/2014/main" id="{18E33FD6-1EC8-FE46-0846-B0DBB680506C}"/>
+                </a:ext>
+              </a:extLst>
+            </p:cNvPr>
+            <p:cNvSpPr txBox="1"/>
+            <p:nvPr/>
+          </p:nvSpPr>
+          <p:spPr>
+            <a:xfrm>
+              <a:off x="3834683" y="2209375"/>
+              <a:ext cx="1538883" cy="2438400"/>
+            </a:xfrm>
+            <a:prstGeom prst="rect">
+              <a:avLst/>
+            </a:prstGeom>
+            <a:noFill/>
+          </p:spPr>
+          <p:txBody>
+            <a:bodyPr vert="eaVert" wrap="square" rtlCol="0">
+              <a:spAutoFit/>
+            </a:bodyPr>
+            <a:lstStyle/>
+            <a:p>
+              <a:r>
+                <a:rPr kumimoji="1" lang="ja-JP" altLang="en-US" sz="8800" dirty="0">
+                  <a:ln w="28575">
+                    <a:noFill/>
+                  </a:ln>
+                  <a:solidFill>
+                    <a:srgbClr val="00B050"/>
+                  </a:solidFill>
+                  <a:effectLst>
+                    <a:glow rad="127000">
+                      <a:schemeClr val="bg1"/>
+                    </a:glow>
+                  </a:effectLst>
+                  <a:latin typeface="玉ねぎ楷書激無料版v7改" panose="02000600000000000000" pitchFamily="2" charset="-128"/>
+                  <a:ea typeface="玉ねぎ楷書激無料版v7改" panose="02000600000000000000" pitchFamily="2" charset="-128"/>
+                </a:rPr>
+                <a:t>帰還</a:t>
+              </a:r>
+            </a:p>
+          </p:txBody>
+        </p:sp>
+      </p:grpSp>
     </p:spTree>
     <p:extLst>
       <p:ext uri="{BB962C8B-B14F-4D97-AF65-F5344CB8AC3E}">
-        <p14:creationId xmlns:p14="http://schemas.microsoft.com/office/powerpoint/2010/main" val="2915933079"/>
+        <p14:creationId xmlns:p14="http://schemas.microsoft.com/office/powerpoint/2010/main" val="2475351871"/>
       </p:ext>
     </p:extLst>
   </p:cSld>

--- a/97_archive/04_m/操作説明書/manual.pptx
+++ b/97_archive/04_m/操作説明書/manual.pptx
@@ -4728,7 +4728,7 @@
         <p:spPr>
           <a:xfrm>
             <a:off x="8998437" y="254642"/>
-            <a:ext cx="861774" cy="6324106"/>
+            <a:ext cx="861774" cy="1318519"/>
           </a:xfrm>
           <a:prstGeom prst="rect">
             <a:avLst/>

--- a/97_archive/04_m/操作説明書/manual.pptx
+++ b/97_archive/04_m/操作説明書/manual.pptx
@@ -198,7 +198,7 @@
           <a:p>
             <a:fld id="{80A777C7-424D-494A-94F4-9B30167EF0F0}" type="datetimeFigureOut">
               <a:rPr kumimoji="1" lang="ja-JP" altLang="en-US" smtClean="0"/>
-              <a:t>2024/9/13</a:t>
+              <a:t>2024/9/17</a:t>
             </a:fld>
             <a:endParaRPr kumimoji="1" lang="ja-JP" altLang="en-US"/>
           </a:p>
@@ -812,7 +812,7 @@
           <a:p>
             <a:fld id="{B6CF5DD3-AED3-41C8-AE2F-82742504418D}" type="datetimeFigureOut">
               <a:rPr kumimoji="1" lang="ja-JP" altLang="en-US" smtClean="0"/>
-              <a:t>2024/9/13</a:t>
+              <a:t>2024/9/17</a:t>
             </a:fld>
             <a:endParaRPr kumimoji="1" lang="ja-JP" altLang="en-US"/>
           </a:p>
@@ -1042,7 +1042,7 @@
           <a:p>
             <a:fld id="{B6CF5DD3-AED3-41C8-AE2F-82742504418D}" type="datetimeFigureOut">
               <a:rPr kumimoji="1" lang="ja-JP" altLang="en-US" smtClean="0"/>
-              <a:t>2024/9/13</a:t>
+              <a:t>2024/9/17</a:t>
             </a:fld>
             <a:endParaRPr kumimoji="1" lang="ja-JP" altLang="en-US"/>
           </a:p>
@@ -1282,7 +1282,7 @@
           <a:p>
             <a:fld id="{B6CF5DD3-AED3-41C8-AE2F-82742504418D}" type="datetimeFigureOut">
               <a:rPr kumimoji="1" lang="ja-JP" altLang="en-US" smtClean="0"/>
-              <a:t>2024/9/13</a:t>
+              <a:t>2024/9/17</a:t>
             </a:fld>
             <a:endParaRPr kumimoji="1" lang="ja-JP" altLang="en-US"/>
           </a:p>
@@ -1512,7 +1512,7 @@
           <a:p>
             <a:fld id="{B6CF5DD3-AED3-41C8-AE2F-82742504418D}" type="datetimeFigureOut">
               <a:rPr kumimoji="1" lang="ja-JP" altLang="en-US" smtClean="0"/>
-              <a:t>2024/9/13</a:t>
+              <a:t>2024/9/17</a:t>
             </a:fld>
             <a:endParaRPr kumimoji="1" lang="ja-JP" altLang="en-US"/>
           </a:p>
@@ -1787,7 +1787,7 @@
           <a:p>
             <a:fld id="{B6CF5DD3-AED3-41C8-AE2F-82742504418D}" type="datetimeFigureOut">
               <a:rPr kumimoji="1" lang="ja-JP" altLang="en-US" smtClean="0"/>
-              <a:t>2024/9/13</a:t>
+              <a:t>2024/9/17</a:t>
             </a:fld>
             <a:endParaRPr kumimoji="1" lang="ja-JP" altLang="en-US"/>
           </a:p>
@@ -2116,7 +2116,7 @@
           <a:p>
             <a:fld id="{B6CF5DD3-AED3-41C8-AE2F-82742504418D}" type="datetimeFigureOut">
               <a:rPr kumimoji="1" lang="ja-JP" altLang="en-US" smtClean="0"/>
-              <a:t>2024/9/13</a:t>
+              <a:t>2024/9/17</a:t>
             </a:fld>
             <a:endParaRPr kumimoji="1" lang="ja-JP" altLang="en-US"/>
           </a:p>
@@ -2592,7 +2592,7 @@
           <a:p>
             <a:fld id="{B6CF5DD3-AED3-41C8-AE2F-82742504418D}" type="datetimeFigureOut">
               <a:rPr kumimoji="1" lang="ja-JP" altLang="en-US" smtClean="0"/>
-              <a:t>2024/9/13</a:t>
+              <a:t>2024/9/17</a:t>
             </a:fld>
             <a:endParaRPr kumimoji="1" lang="ja-JP" altLang="en-US"/>
           </a:p>
@@ -2733,7 +2733,7 @@
           <a:p>
             <a:fld id="{B6CF5DD3-AED3-41C8-AE2F-82742504418D}" type="datetimeFigureOut">
               <a:rPr kumimoji="1" lang="ja-JP" altLang="en-US" smtClean="0"/>
-              <a:t>2024/9/13</a:t>
+              <a:t>2024/9/17</a:t>
             </a:fld>
             <a:endParaRPr kumimoji="1" lang="ja-JP" altLang="en-US"/>
           </a:p>
@@ -2846,7 +2846,7 @@
           <a:p>
             <a:fld id="{B6CF5DD3-AED3-41C8-AE2F-82742504418D}" type="datetimeFigureOut">
               <a:rPr kumimoji="1" lang="ja-JP" altLang="en-US" smtClean="0"/>
-              <a:t>2024/9/13</a:t>
+              <a:t>2024/9/17</a:t>
             </a:fld>
             <a:endParaRPr kumimoji="1" lang="ja-JP" altLang="en-US"/>
           </a:p>
@@ -3189,7 +3189,7 @@
           <a:p>
             <a:fld id="{B6CF5DD3-AED3-41C8-AE2F-82742504418D}" type="datetimeFigureOut">
               <a:rPr kumimoji="1" lang="ja-JP" altLang="en-US" smtClean="0"/>
-              <a:t>2024/9/13</a:t>
+              <a:t>2024/9/17</a:t>
             </a:fld>
             <a:endParaRPr kumimoji="1" lang="ja-JP" altLang="en-US"/>
           </a:p>
@@ -3477,7 +3477,7 @@
           <a:p>
             <a:fld id="{B6CF5DD3-AED3-41C8-AE2F-82742504418D}" type="datetimeFigureOut">
               <a:rPr kumimoji="1" lang="ja-JP" altLang="en-US" smtClean="0"/>
-              <a:t>2024/9/13</a:t>
+              <a:t>2024/9/17</a:t>
             </a:fld>
             <a:endParaRPr kumimoji="1" lang="ja-JP" altLang="en-US"/>
           </a:p>
@@ -3759,7 +3759,7 @@
           <a:p>
             <a:fld id="{B6CF5DD3-AED3-41C8-AE2F-82742504418D}" type="datetimeFigureOut">
               <a:rPr kumimoji="1" lang="ja-JP" altLang="en-US" smtClean="0"/>
-              <a:t>2024/9/13</a:t>
+              <a:t>2024/9/17</a:t>
             </a:fld>
             <a:endParaRPr kumimoji="1" lang="ja-JP" altLang="en-US"/>
           </a:p>
@@ -4204,7 +4204,7 @@
         </p:blipFill>
         <p:spPr>
           <a:xfrm>
-            <a:off x="21652" y="1850761"/>
+            <a:off x="1831237" y="1850761"/>
             <a:ext cx="2150215" cy="2213239"/>
           </a:xfrm>
           <a:prstGeom prst="rect">
@@ -4234,13 +4234,13 @@
               </a:ext>
             </a:extLst>
           </a:blip>
-          <a:srcRect l="23200"/>
+          <a:srcRect l="-967" r="1"/>
           <a:stretch/>
         </p:blipFill>
         <p:spPr>
           <a:xfrm>
-            <a:off x="129698" y="4360807"/>
-            <a:ext cx="2733565" cy="2097930"/>
+            <a:off x="1079119" y="4360807"/>
+            <a:ext cx="3593729" cy="2097930"/>
           </a:xfrm>
           <a:prstGeom prst="rect">
             <a:avLst/>
@@ -4249,10 +4249,10 @@
       </p:pic>
       <p:pic>
         <p:nvPicPr>
-          <p:cNvPr id="15" name="図 14" descr="暗い, ノートパソコン, テーブル, 座る が含まれている画像&#10;&#10;自動的に生成された説明">
-            <a:extLst>
-              <a:ext uri="{FF2B5EF4-FFF2-40B4-BE49-F238E27FC236}">
-                <a16:creationId xmlns:a16="http://schemas.microsoft.com/office/drawing/2014/main" id="{B558478F-DBF5-C42C-43A2-1AD161D630B3}"/>
+          <p:cNvPr id="9" name="図 8" descr="ロゴ&#10;&#10;自動的に生成された説明">
+            <a:extLst>
+              <a:ext uri="{FF2B5EF4-FFF2-40B4-BE49-F238E27FC236}">
+                <a16:creationId xmlns:a16="http://schemas.microsoft.com/office/drawing/2014/main" id="{11F9B576-2A35-55AD-D3C8-11CF801F6EF5}"/>
               </a:ext>
             </a:extLst>
           </p:cNvPr>
@@ -4275,7 +4275,50 @@
         </p:blipFill>
         <p:spPr>
           <a:xfrm>
-            <a:off x="347173" y="3570561"/>
+            <a:off x="-45002" y="5281482"/>
+            <a:ext cx="1514677" cy="1514677"/>
+          </a:xfrm>
+          <a:prstGeom prst="rect">
+            <a:avLst/>
+          </a:prstGeom>
+          <a:effectLst>
+            <a:glow rad="76200">
+              <a:schemeClr val="bg1">
+                <a:alpha val="10000"/>
+              </a:schemeClr>
+            </a:glow>
+          </a:effectLst>
+        </p:spPr>
+      </p:pic>
+      <p:pic>
+        <p:nvPicPr>
+          <p:cNvPr id="15" name="図 14" descr="暗い, ノートパソコン, テーブル, 座る が含まれている画像&#10;&#10;自動的に生成された説明">
+            <a:extLst>
+              <a:ext uri="{FF2B5EF4-FFF2-40B4-BE49-F238E27FC236}">
+                <a16:creationId xmlns:a16="http://schemas.microsoft.com/office/drawing/2014/main" id="{B558478F-DBF5-C42C-43A2-1AD161D630B3}"/>
+              </a:ext>
+            </a:extLst>
+          </p:cNvPr>
+          <p:cNvPicPr>
+            <a:picLocks noChangeAspect="1"/>
+          </p:cNvPicPr>
+          <p:nvPr/>
+        </p:nvPicPr>
+        <p:blipFill>
+          <a:blip r:embed="rId6">
+            <a:extLst>
+              <a:ext uri="{28A0092B-C50C-407E-A947-70E740481C1C}">
+                <a14:useLocalDpi xmlns:a14="http://schemas.microsoft.com/office/drawing/2010/main" val="0"/>
+              </a:ext>
+            </a:extLst>
+          </a:blip>
+          <a:stretch>
+            <a:fillRect/>
+          </a:stretch>
+        </p:blipFill>
+        <p:spPr>
+          <a:xfrm>
+            <a:off x="2156758" y="3570561"/>
             <a:ext cx="4273892" cy="2809243"/>
           </a:xfrm>
           <a:prstGeom prst="rect">
@@ -4298,7 +4341,7 @@
           <p:nvPr/>
         </p:nvPicPr>
         <p:blipFill>
-          <a:blip r:embed="rId6">
+          <a:blip r:embed="rId7">
             <a:extLst>
               <a:ext uri="{28A0092B-C50C-407E-A947-70E740481C1C}">
                 <a14:useLocalDpi xmlns:a14="http://schemas.microsoft.com/office/drawing/2010/main" val="0"/>
@@ -4310,7 +4353,7 @@
         </p:blipFill>
         <p:spPr>
           <a:xfrm rot="906881">
-            <a:off x="1648627" y="529009"/>
+            <a:off x="3458212" y="529009"/>
             <a:ext cx="2972171" cy="3107044"/>
           </a:xfrm>
           <a:prstGeom prst="rect">
@@ -4335,7 +4378,7 @@
         </p:nvGrpSpPr>
         <p:grpSpPr>
           <a:xfrm>
-            <a:off x="4049570" y="1030098"/>
+            <a:off x="5917029" y="1030098"/>
             <a:ext cx="3124841" cy="5080306"/>
             <a:chOff x="4415330" y="1030098"/>
             <a:chExt cx="3124841" cy="5080306"/>
@@ -4356,7 +4399,7 @@
             <p:nvPr/>
           </p:nvPicPr>
           <p:blipFill>
-            <a:blip r:embed="rId7">
+            <a:blip r:embed="rId8">
               <a:alphaModFix amt="70000"/>
               <a:extLst>
                 <a:ext uri="{28A0092B-C50C-407E-A947-70E740481C1C}">
@@ -4400,7 +4443,7 @@
             <p:nvPr/>
           </p:nvPicPr>
           <p:blipFill>
-            <a:blip r:embed="rId8">
+            <a:blip r:embed="rId9">
               <a:extLst>
                 <a:ext uri="{28A0092B-C50C-407E-A947-70E740481C1C}">
                   <a14:useLocalDpi xmlns:a14="http://schemas.microsoft.com/office/drawing/2010/main" val="0"/>
@@ -4441,7 +4484,7 @@
             <p:nvPr/>
           </p:nvPicPr>
           <p:blipFill>
-            <a:blip r:embed="rId7">
+            <a:blip r:embed="rId8">
               <a:alphaModFix amt="70000"/>
               <a:extLst>
                 <a:ext uri="{28A0092B-C50C-407E-A947-70E740481C1C}">
@@ -4485,7 +4528,7 @@
             <p:nvPr/>
           </p:nvPicPr>
           <p:blipFill>
-            <a:blip r:embed="rId9">
+            <a:blip r:embed="rId10">
               <a:extLst>
                 <a:ext uri="{28A0092B-C50C-407E-A947-70E740481C1C}">
                   <a14:useLocalDpi xmlns:a14="http://schemas.microsoft.com/office/drawing/2010/main" val="0"/>
@@ -4527,7 +4570,7 @@
           <p:nvPr/>
         </p:nvPicPr>
         <p:blipFill>
-          <a:blip r:embed="rId10">
+          <a:blip r:embed="rId11">
             <a:extLst>
               <a:ext uri="{28A0092B-C50C-407E-A947-70E740481C1C}">
                 <a14:useLocalDpi xmlns:a14="http://schemas.microsoft.com/office/drawing/2010/main" val="0"/>
@@ -4561,7 +4604,7 @@
         </p:nvSpPr>
         <p:spPr>
           <a:xfrm>
-            <a:off x="9644691" y="243068"/>
+            <a:off x="1058671" y="201512"/>
             <a:ext cx="861774" cy="6324106"/>
           </a:xfrm>
           <a:prstGeom prst="rect">
@@ -4588,7 +4631,7 @@
               <a:t>組織</a:t>
             </a:r>
             <a:r>
-              <a:rPr lang="ja-JP" altLang="en-US" sz="3600" dirty="0">
+              <a:rPr lang="ja-JP" altLang="en-US" sz="2800" dirty="0">
                 <a:effectLst>
                   <a:glow rad="127000">
                     <a:schemeClr val="bg1"/>
@@ -4628,7 +4671,7 @@
         </p:nvSpPr>
         <p:spPr>
           <a:xfrm>
-            <a:off x="8719055" y="1643605"/>
+            <a:off x="83202" y="1555749"/>
             <a:ext cx="1046440" cy="3842796"/>
           </a:xfrm>
           <a:prstGeom prst="rect">
@@ -4727,7 +4770,7 @@
         </p:nvSpPr>
         <p:spPr>
           <a:xfrm>
-            <a:off x="8998437" y="254642"/>
+            <a:off x="362584" y="213086"/>
             <a:ext cx="861774" cy="1318519"/>
           </a:xfrm>
           <a:prstGeom prst="rect">
@@ -4765,47 +4808,6 @@
           </a:p>
         </p:txBody>
       </p:sp>
-      <p:pic>
-        <p:nvPicPr>
-          <p:cNvPr id="24" name="図 23" descr="黒板の文字と絵が描かれた絵&#10;&#10;低い精度で自動的に生成された説明">
-            <a:extLst>
-              <a:ext uri="{FF2B5EF4-FFF2-40B4-BE49-F238E27FC236}">
-                <a16:creationId xmlns:a16="http://schemas.microsoft.com/office/drawing/2014/main" id="{6C2A8443-ECF5-7E7E-A2A8-966923C61E23}"/>
-              </a:ext>
-            </a:extLst>
-          </p:cNvPr>
-          <p:cNvPicPr>
-            <a:picLocks noChangeAspect="1"/>
-          </p:cNvPicPr>
-          <p:nvPr/>
-        </p:nvPicPr>
-        <p:blipFill>
-          <a:blip r:embed="rId11">
-            <a:extLst>
-              <a:ext uri="{28A0092B-C50C-407E-A947-70E740481C1C}">
-                <a14:useLocalDpi xmlns:a14="http://schemas.microsoft.com/office/drawing/2010/main" val="0"/>
-              </a:ext>
-            </a:extLst>
-          </a:blip>
-          <a:stretch>
-            <a:fillRect/>
-          </a:stretch>
-        </p:blipFill>
-        <p:spPr>
-          <a:xfrm rot="21189635">
-            <a:off x="7409892" y="4602710"/>
-            <a:ext cx="2138522" cy="2138522"/>
-          </a:xfrm>
-          <a:prstGeom prst="rect">
-            <a:avLst/>
-          </a:prstGeom>
-          <a:effectLst>
-            <a:glow rad="50800">
-              <a:schemeClr val="tx1"/>
-            </a:glow>
-          </a:effectLst>
-        </p:spPr>
-      </p:pic>
       <p:sp>
         <p:nvSpPr>
           <p:cNvPr id="27" name="テキスト ボックス 26">
@@ -4820,7 +4822,7 @@
         </p:nvSpPr>
         <p:spPr>
           <a:xfrm>
-            <a:off x="7424053" y="254642"/>
+            <a:off x="9233638" y="254642"/>
             <a:ext cx="1107996" cy="4327003"/>
           </a:xfrm>
           <a:prstGeom prst="rect">
@@ -4878,7 +4880,7 @@
         </p:nvSpPr>
         <p:spPr>
           <a:xfrm>
-            <a:off x="6036732" y="796488"/>
+            <a:off x="7846317" y="796488"/>
             <a:ext cx="1538883" cy="4803960"/>
           </a:xfrm>
           <a:prstGeom prst="rect">
@@ -4980,7 +4982,7 @@
         </p:nvSpPr>
         <p:spPr>
           <a:xfrm>
-            <a:off x="1109756" y="796488"/>
+            <a:off x="2919341" y="796488"/>
             <a:ext cx="1538883" cy="4178695"/>
           </a:xfrm>
           <a:prstGeom prst="rect">
@@ -5094,7 +5096,7 @@
         </p:nvSpPr>
         <p:spPr>
           <a:xfrm>
-            <a:off x="4008568" y="796488"/>
+            <a:off x="5818153" y="796488"/>
             <a:ext cx="861774" cy="4152734"/>
           </a:xfrm>
           <a:prstGeom prst="rect">
@@ -5212,13 +5214,13 @@
               </a:ext>
             </a:extLst>
           </a:blip>
-          <a:srcRect l="5714" t="30446"/>
+          <a:srcRect l="10298" t="30446"/>
           <a:stretch/>
         </p:blipFill>
         <p:spPr>
           <a:xfrm>
-            <a:off x="123765" y="364606"/>
-            <a:ext cx="4572525" cy="3242961"/>
+            <a:off x="160867" y="364606"/>
+            <a:ext cx="4350231" cy="3242961"/>
           </a:xfrm>
           <a:prstGeom prst="rect">
             <a:avLst/>
@@ -5239,7 +5241,7 @@
         </p:nvSpPr>
         <p:spPr>
           <a:xfrm>
-            <a:off x="2718511" y="1546260"/>
+            <a:off x="2533319" y="1546260"/>
             <a:ext cx="2279783" cy="2626729"/>
           </a:xfrm>
           <a:prstGeom prst="ellipse">
@@ -5305,9 +5307,9 @@
           </a:stretch>
         </p:blipFill>
         <p:spPr>
-          <a:xfrm rot="565076">
-            <a:off x="3465504" y="4064213"/>
-            <a:ext cx="4041176" cy="2808950"/>
+          <a:xfrm rot="1032201">
+            <a:off x="8145551" y="4363117"/>
+            <a:ext cx="3254914" cy="2262433"/>
           </a:xfrm>
           <a:prstGeom prst="rect">
             <a:avLst/>
@@ -5342,13 +5344,13 @@
               </a:ext>
             </a:extLst>
           </a:blip>
-          <a:srcRect l="12432" b="6643"/>
+          <a:srcRect l="39133" t="-1212" r="1" b="6643"/>
           <a:stretch/>
         </p:blipFill>
         <p:spPr>
-          <a:xfrm rot="19868378" flipH="1">
-            <a:off x="6308711" y="2184688"/>
-            <a:ext cx="5356000" cy="3646406"/>
+          <a:xfrm rot="21163585" flipH="1">
+            <a:off x="6523490" y="-875238"/>
+            <a:ext cx="3195204" cy="3170239"/>
           </a:xfrm>
           <a:prstGeom prst="rect">
             <a:avLst/>
@@ -5392,9 +5394,9 @@
           </a:stretch>
         </p:blipFill>
         <p:spPr>
-          <a:xfrm rot="20129690">
-            <a:off x="-268987" y="3940911"/>
-            <a:ext cx="2351865" cy="2877497"/>
+          <a:xfrm rot="20821919">
+            <a:off x="-130772" y="4372647"/>
+            <a:ext cx="1843295" cy="2255264"/>
           </a:xfrm>
           <a:prstGeom prst="rect">
             <a:avLst/>
@@ -5406,58 +5408,6 @@
           </a:effectLst>
         </p:spPr>
       </p:pic>
-      <p:sp>
-        <p:nvSpPr>
-          <p:cNvPr id="56" name="楕円 55">
-            <a:extLst>
-              <a:ext uri="{FF2B5EF4-FFF2-40B4-BE49-F238E27FC236}">
-                <a16:creationId xmlns:a16="http://schemas.microsoft.com/office/drawing/2014/main" id="{348C8D7C-412C-009D-1510-0820A298EFE8}"/>
-              </a:ext>
-            </a:extLst>
-          </p:cNvPr>
-          <p:cNvSpPr/>
-          <p:nvPr/>
-        </p:nvSpPr>
-        <p:spPr>
-          <a:xfrm>
-            <a:off x="6875373" y="3207655"/>
-            <a:ext cx="1220531" cy="2019974"/>
-          </a:xfrm>
-          <a:prstGeom prst="ellipse">
-            <a:avLst/>
-          </a:prstGeom>
-          <a:solidFill>
-            <a:srgbClr val="F4EAD8"/>
-          </a:solidFill>
-          <a:ln>
-            <a:noFill/>
-          </a:ln>
-        </p:spPr>
-        <p:style>
-          <a:lnRef idx="2">
-            <a:schemeClr val="accent1">
-              <a:shade val="15000"/>
-            </a:schemeClr>
-          </a:lnRef>
-          <a:fillRef idx="1">
-            <a:schemeClr val="accent1"/>
-          </a:fillRef>
-          <a:effectRef idx="0">
-            <a:schemeClr val="accent1"/>
-          </a:effectRef>
-          <a:fontRef idx="minor">
-            <a:schemeClr val="lt1"/>
-          </a:fontRef>
-        </p:style>
-        <p:txBody>
-          <a:bodyPr rtlCol="0" anchor="ctr"/>
-          <a:lstStyle/>
-          <a:p>
-            <a:pPr algn="ctr"/>
-            <a:endParaRPr kumimoji="1" lang="ja-JP" altLang="en-US"/>
-          </a:p>
-        </p:txBody>
-      </p:sp>
       <p:pic>
         <p:nvPicPr>
           <p:cNvPr id="3" name="図 2" descr="図形&#10;&#10;中程度の精度で自動的に生成された説明">
@@ -5485,7 +5435,7 @@
         </p:blipFill>
         <p:spPr>
           <a:xfrm>
-            <a:off x="1989097" y="236259"/>
+            <a:off x="1803905" y="236259"/>
             <a:ext cx="6549735" cy="5452689"/>
           </a:xfrm>
           <a:prstGeom prst="rect">
@@ -5512,7 +5462,7 @@
         </p:nvGrpSpPr>
         <p:grpSpPr>
           <a:xfrm>
-            <a:off x="5768597" y="857513"/>
+            <a:off x="5583405" y="857513"/>
             <a:ext cx="3982546" cy="2928493"/>
             <a:chOff x="5768597" y="857513"/>
             <a:chExt cx="3982546" cy="2928493"/>
@@ -5741,7 +5691,7 @@
         </p:nvGrpSpPr>
         <p:grpSpPr>
           <a:xfrm>
-            <a:off x="5810704" y="3211580"/>
+            <a:off x="5625512" y="3211580"/>
             <a:ext cx="1853841" cy="804104"/>
             <a:chOff x="5810704" y="3211580"/>
             <a:chExt cx="1853841" cy="804104"/>
@@ -5970,7 +5920,7 @@
         </p:nvGrpSpPr>
         <p:grpSpPr>
           <a:xfrm flipV="1">
-            <a:off x="2240279" y="2326201"/>
+            <a:off x="2055087" y="2326201"/>
             <a:ext cx="1732323" cy="966785"/>
             <a:chOff x="2132130" y="654097"/>
             <a:chExt cx="1732323" cy="966785"/>
@@ -6144,7 +6094,7 @@
         </p:nvGrpSpPr>
         <p:grpSpPr>
           <a:xfrm>
-            <a:off x="1584961" y="910370"/>
+            <a:off x="1399769" y="910370"/>
             <a:ext cx="2279492" cy="710512"/>
             <a:chOff x="1584961" y="910370"/>
             <a:chExt cx="2279492" cy="710512"/>
@@ -6321,7 +6271,7 @@
         </p:nvGrpSpPr>
         <p:grpSpPr>
           <a:xfrm flipH="1">
-            <a:off x="6620264" y="578060"/>
+            <a:off x="6435072" y="578060"/>
             <a:ext cx="2547747" cy="1084672"/>
             <a:chOff x="1584963" y="809856"/>
             <a:chExt cx="2547747" cy="1084672"/>
@@ -6495,7 +6445,7 @@
         </p:nvSpPr>
         <p:spPr>
           <a:xfrm>
-            <a:off x="10153181" y="248855"/>
+            <a:off x="10222631" y="248855"/>
             <a:ext cx="1954381" cy="6360290"/>
           </a:xfrm>
           <a:prstGeom prst="rect">
@@ -6542,6 +6492,115 @@
       </p:sp>
       <p:grpSp>
         <p:nvGrpSpPr>
+          <p:cNvPr id="21" name="グループ化 20">
+            <a:extLst>
+              <a:ext uri="{FF2B5EF4-FFF2-40B4-BE49-F238E27FC236}">
+                <a16:creationId xmlns:a16="http://schemas.microsoft.com/office/drawing/2014/main" id="{EA6EC0E1-A338-4292-3BA6-C880506D4A10}"/>
+              </a:ext>
+            </a:extLst>
+          </p:cNvPr>
+          <p:cNvGrpSpPr/>
+          <p:nvPr/>
+        </p:nvGrpSpPr>
+        <p:grpSpPr>
+          <a:xfrm rot="21155603">
+            <a:off x="8433798" y="451182"/>
+            <a:ext cx="2585341" cy="1759225"/>
+            <a:chOff x="2890364" y="4007472"/>
+            <a:chExt cx="4956254" cy="3034349"/>
+          </a:xfrm>
+        </p:grpSpPr>
+        <p:pic>
+          <p:nvPicPr>
+            <p:cNvPr id="11" name="図 10" descr="図形, 円&#10;&#10;自動的に生成された説明">
+              <a:extLst>
+                <a:ext uri="{FF2B5EF4-FFF2-40B4-BE49-F238E27FC236}">
+                  <a16:creationId xmlns:a16="http://schemas.microsoft.com/office/drawing/2014/main" id="{427307D6-B703-7CB8-67D5-681442DF4D22}"/>
+                </a:ext>
+              </a:extLst>
+            </p:cNvPr>
+            <p:cNvPicPr>
+              <a:picLocks noChangeAspect="1"/>
+            </p:cNvPicPr>
+            <p:nvPr/>
+          </p:nvPicPr>
+          <p:blipFill>
+            <a:blip r:embed="rId8">
+              <a:duotone>
+                <a:prstClr val="black"/>
+                <a:schemeClr val="accent4">
+                  <a:tint val="45000"/>
+                  <a:satMod val="400000"/>
+                </a:schemeClr>
+              </a:duotone>
+              <a:alphaModFix amt="70000"/>
+              <a:extLst>
+                <a:ext uri="{28A0092B-C50C-407E-A947-70E740481C1C}">
+                  <a14:useLocalDpi xmlns:a14="http://schemas.microsoft.com/office/drawing/2010/main" val="0"/>
+                </a:ext>
+              </a:extLst>
+            </a:blip>
+            <a:stretch>
+              <a:fillRect/>
+            </a:stretch>
+          </p:blipFill>
+          <p:spPr>
+            <a:xfrm>
+              <a:off x="2890364" y="4863955"/>
+              <a:ext cx="3970313" cy="2177866"/>
+            </a:xfrm>
+            <a:prstGeom prst="rect">
+              <a:avLst/>
+            </a:prstGeom>
+          </p:spPr>
+        </p:pic>
+        <p:pic>
+          <p:nvPicPr>
+            <p:cNvPr id="14" name="図 13" descr="図形, 円&#10;&#10;自動的に生成された説明">
+              <a:extLst>
+                <a:ext uri="{FF2B5EF4-FFF2-40B4-BE49-F238E27FC236}">
+                  <a16:creationId xmlns:a16="http://schemas.microsoft.com/office/drawing/2014/main" id="{33A46D09-57E7-E9E0-4563-F8F89459E58E}"/>
+                </a:ext>
+              </a:extLst>
+            </p:cNvPr>
+            <p:cNvPicPr>
+              <a:picLocks noChangeAspect="1"/>
+            </p:cNvPicPr>
+            <p:nvPr/>
+          </p:nvPicPr>
+          <p:blipFill>
+            <a:blip r:embed="rId8">
+              <a:duotone>
+                <a:prstClr val="black"/>
+                <a:schemeClr val="accent4">
+                  <a:tint val="45000"/>
+                  <a:satMod val="400000"/>
+                </a:schemeClr>
+              </a:duotone>
+              <a:alphaModFix amt="70000"/>
+              <a:extLst>
+                <a:ext uri="{28A0092B-C50C-407E-A947-70E740481C1C}">
+                  <a14:useLocalDpi xmlns:a14="http://schemas.microsoft.com/office/drawing/2010/main" val="0"/>
+                </a:ext>
+              </a:extLst>
+            </a:blip>
+            <a:stretch>
+              <a:fillRect/>
+            </a:stretch>
+          </p:blipFill>
+          <p:spPr>
+            <a:xfrm rot="10800000">
+              <a:off x="5432065" y="4007472"/>
+              <a:ext cx="2414553" cy="1324473"/>
+            </a:xfrm>
+            <a:prstGeom prst="rect">
+              <a:avLst/>
+            </a:prstGeom>
+          </p:spPr>
+        </p:pic>
+      </p:grpSp>
+      <p:grpSp>
+        <p:nvGrpSpPr>
           <p:cNvPr id="4" name="グループ化 3">
             <a:extLst>
               <a:ext uri="{FF2B5EF4-FFF2-40B4-BE49-F238E27FC236}">
@@ -6554,7 +6613,7 @@
         </p:nvGrpSpPr>
         <p:grpSpPr>
           <a:xfrm>
-            <a:off x="7361333" y="2463506"/>
+            <a:off x="7176141" y="2463506"/>
             <a:ext cx="1625397" cy="4061185"/>
             <a:chOff x="6885660" y="587015"/>
             <a:chExt cx="1625397" cy="4061185"/>
@@ -6575,7 +6634,7 @@
             <p:nvPr/>
           </p:nvPicPr>
           <p:blipFill>
-            <a:blip r:embed="rId8">
+            <a:blip r:embed="rId9">
               <a:extLst>
                 <a:ext uri="{28A0092B-C50C-407E-A947-70E740481C1C}">
                   <a14:useLocalDpi xmlns:a14="http://schemas.microsoft.com/office/drawing/2010/main" val="0"/>
@@ -6665,7 +6724,7 @@
         </p:nvGrpSpPr>
         <p:grpSpPr>
           <a:xfrm>
-            <a:off x="1447594" y="2460894"/>
+            <a:off x="1262402" y="2460894"/>
             <a:ext cx="1625397" cy="4063797"/>
             <a:chOff x="8424543" y="584403"/>
             <a:chExt cx="1625397" cy="4063797"/>
@@ -6686,7 +6745,7 @@
             <p:nvPr/>
           </p:nvPicPr>
           <p:blipFill>
-            <a:blip r:embed="rId9">
+            <a:blip r:embed="rId10">
               <a:extLst>
                 <a:ext uri="{28A0092B-C50C-407E-A947-70E740481C1C}">
                   <a14:useLocalDpi xmlns:a14="http://schemas.microsoft.com/office/drawing/2010/main" val="0"/>
@@ -6776,7 +6835,7 @@
         </p:nvGrpSpPr>
         <p:grpSpPr>
           <a:xfrm>
-            <a:off x="8634010" y="177689"/>
+            <a:off x="8448818" y="177689"/>
             <a:ext cx="1706179" cy="4063372"/>
             <a:chOff x="5255083" y="584403"/>
             <a:chExt cx="1706179" cy="4063372"/>
@@ -6817,7 +6876,7 @@
               <p:nvPr/>
             </p:nvPicPr>
             <p:blipFill>
-              <a:blip r:embed="rId8">
+              <a:blip r:embed="rId9">
                 <a:extLst>
                   <a:ext uri="{28A0092B-C50C-407E-A947-70E740481C1C}">
                     <a14:useLocalDpi xmlns:a14="http://schemas.microsoft.com/office/drawing/2010/main" val="0"/>
@@ -6858,7 +6917,7 @@
               <p:nvPr/>
             </p:nvPicPr>
             <p:blipFill>
-              <a:blip r:embed="rId10">
+              <a:blip r:embed="rId11">
                 <a:extLst>
                   <a:ext uri="{28A0092B-C50C-407E-A947-70E740481C1C}">
                     <a14:useLocalDpi xmlns:a14="http://schemas.microsoft.com/office/drawing/2010/main" val="0"/>
@@ -6949,7 +7008,7 @@
         </p:nvGrpSpPr>
         <p:grpSpPr>
           <a:xfrm>
-            <a:off x="200476" y="177689"/>
+            <a:off x="15284" y="177689"/>
             <a:ext cx="1625397" cy="4063372"/>
             <a:chOff x="3748169" y="584403"/>
             <a:chExt cx="1625397" cy="4063372"/>
@@ -6970,7 +7029,7 @@
             <p:nvPr/>
           </p:nvPicPr>
           <p:blipFill>
-            <a:blip r:embed="rId11">
+            <a:blip r:embed="rId12">
               <a:extLst>
                 <a:ext uri="{28A0092B-C50C-407E-A947-70E740481C1C}">
                   <a14:useLocalDpi xmlns:a14="http://schemas.microsoft.com/office/drawing/2010/main" val="0"/>
